--- a/Results/plots.pptx
+++ b/Results/plots.pptx
@@ -5,27 +5,30 @@
     <p:sldMasterId id="2147483648" r:id="rId1"/>
   </p:sldMasterIdLst>
   <p:notesMasterIdLst>
-    <p:notesMasterId r:id="rId20"/>
+    <p:notesMasterId r:id="rId23"/>
   </p:notesMasterIdLst>
   <p:sldIdLst>
     <p:sldId id="256" r:id="rId2"/>
-    <p:sldId id="293" r:id="rId3"/>
-    <p:sldId id="294" r:id="rId4"/>
-    <p:sldId id="295" r:id="rId5"/>
-    <p:sldId id="296" r:id="rId6"/>
-    <p:sldId id="259" r:id="rId7"/>
-    <p:sldId id="264" r:id="rId8"/>
-    <p:sldId id="269" r:id="rId9"/>
-    <p:sldId id="297" r:id="rId10"/>
-    <p:sldId id="271" r:id="rId11"/>
-    <p:sldId id="291" r:id="rId12"/>
-    <p:sldId id="298" r:id="rId13"/>
-    <p:sldId id="281" r:id="rId14"/>
-    <p:sldId id="283" r:id="rId15"/>
-    <p:sldId id="284" r:id="rId16"/>
-    <p:sldId id="299" r:id="rId17"/>
-    <p:sldId id="300" r:id="rId18"/>
-    <p:sldId id="301" r:id="rId19"/>
+    <p:sldId id="303" r:id="rId3"/>
+    <p:sldId id="304" r:id="rId4"/>
+    <p:sldId id="302" r:id="rId5"/>
+    <p:sldId id="293" r:id="rId6"/>
+    <p:sldId id="294" r:id="rId7"/>
+    <p:sldId id="295" r:id="rId8"/>
+    <p:sldId id="296" r:id="rId9"/>
+    <p:sldId id="259" r:id="rId10"/>
+    <p:sldId id="264" r:id="rId11"/>
+    <p:sldId id="269" r:id="rId12"/>
+    <p:sldId id="297" r:id="rId13"/>
+    <p:sldId id="271" r:id="rId14"/>
+    <p:sldId id="291" r:id="rId15"/>
+    <p:sldId id="298" r:id="rId16"/>
+    <p:sldId id="281" r:id="rId17"/>
+    <p:sldId id="283" r:id="rId18"/>
+    <p:sldId id="284" r:id="rId19"/>
+    <p:sldId id="299" r:id="rId20"/>
+    <p:sldId id="300" r:id="rId21"/>
+    <p:sldId id="301" r:id="rId22"/>
   </p:sldIdLst>
   <p:sldSz cx="12192000" cy="6858000"/>
   <p:notesSz cx="6858000" cy="9144000"/>
@@ -373,7 +376,7 @@
           <a:p>
             <a:fld id="{7E284EFC-FA4A-4447-8D87-AE19704C411A}" type="slidenum">
               <a:rPr lang="en-GB" smtClean="0"/>
-              <a:t>‹Nr.›</a:t>
+              <a:t>‹#›</a:t>
             </a:fld>
             <a:endParaRPr lang="en-GB"/>
           </a:p>
@@ -685,7 +688,7 @@
           <a:p>
             <a:fld id="{AE8CC84D-3979-4E46-9A9F-65B7B277FF03}" type="slidenum">
               <a:rPr lang="en-GB" smtClean="0"/>
-              <a:t>‹Nr.›</a:t>
+              <a:t>‹#›</a:t>
             </a:fld>
             <a:endParaRPr lang="en-GB"/>
           </a:p>
@@ -885,7 +888,7 @@
           <a:p>
             <a:fld id="{AE8CC84D-3979-4E46-9A9F-65B7B277FF03}" type="slidenum">
               <a:rPr lang="en-GB" smtClean="0"/>
-              <a:t>‹Nr.›</a:t>
+              <a:t>‹#›</a:t>
             </a:fld>
             <a:endParaRPr lang="en-GB"/>
           </a:p>
@@ -1095,7 +1098,7 @@
           <a:p>
             <a:fld id="{AE8CC84D-3979-4E46-9A9F-65B7B277FF03}" type="slidenum">
               <a:rPr lang="en-GB" smtClean="0"/>
-              <a:t>‹Nr.›</a:t>
+              <a:t>‹#›</a:t>
             </a:fld>
             <a:endParaRPr lang="en-GB"/>
           </a:p>
@@ -1295,7 +1298,7 @@
           <a:p>
             <a:fld id="{AE8CC84D-3979-4E46-9A9F-65B7B277FF03}" type="slidenum">
               <a:rPr lang="en-GB" smtClean="0"/>
-              <a:t>‹Nr.›</a:t>
+              <a:t>‹#›</a:t>
             </a:fld>
             <a:endParaRPr lang="en-GB"/>
           </a:p>
@@ -1571,7 +1574,7 @@
           <a:p>
             <a:fld id="{AE8CC84D-3979-4E46-9A9F-65B7B277FF03}" type="slidenum">
               <a:rPr lang="en-GB" smtClean="0"/>
-              <a:t>‹Nr.›</a:t>
+              <a:t>‹#›</a:t>
             </a:fld>
             <a:endParaRPr lang="en-GB"/>
           </a:p>
@@ -1839,7 +1842,7 @@
           <a:p>
             <a:fld id="{AE8CC84D-3979-4E46-9A9F-65B7B277FF03}" type="slidenum">
               <a:rPr lang="en-GB" smtClean="0"/>
-              <a:t>‹Nr.›</a:t>
+              <a:t>‹#›</a:t>
             </a:fld>
             <a:endParaRPr lang="en-GB"/>
           </a:p>
@@ -2254,7 +2257,7 @@
           <a:p>
             <a:fld id="{AE8CC84D-3979-4E46-9A9F-65B7B277FF03}" type="slidenum">
               <a:rPr lang="en-GB" smtClean="0"/>
-              <a:t>‹Nr.›</a:t>
+              <a:t>‹#›</a:t>
             </a:fld>
             <a:endParaRPr lang="en-GB"/>
           </a:p>
@@ -2396,7 +2399,7 @@
           <a:p>
             <a:fld id="{AE8CC84D-3979-4E46-9A9F-65B7B277FF03}" type="slidenum">
               <a:rPr lang="en-GB" smtClean="0"/>
-              <a:t>‹Nr.›</a:t>
+              <a:t>‹#›</a:t>
             </a:fld>
             <a:endParaRPr lang="en-GB"/>
           </a:p>
@@ -2509,7 +2512,7 @@
           <a:p>
             <a:fld id="{AE8CC84D-3979-4E46-9A9F-65B7B277FF03}" type="slidenum">
               <a:rPr lang="en-GB" smtClean="0"/>
-              <a:t>‹Nr.›</a:t>
+              <a:t>‹#›</a:t>
             </a:fld>
             <a:endParaRPr lang="en-GB"/>
           </a:p>
@@ -2822,7 +2825,7 @@
           <a:p>
             <a:fld id="{AE8CC84D-3979-4E46-9A9F-65B7B277FF03}" type="slidenum">
               <a:rPr lang="en-GB" smtClean="0"/>
-              <a:t>‹Nr.›</a:t>
+              <a:t>‹#›</a:t>
             </a:fld>
             <a:endParaRPr lang="en-GB"/>
           </a:p>
@@ -3111,7 +3114,7 @@
           <a:p>
             <a:fld id="{AE8CC84D-3979-4E46-9A9F-65B7B277FF03}" type="slidenum">
               <a:rPr lang="en-GB" smtClean="0"/>
-              <a:t>‹Nr.›</a:t>
+              <a:t>‹#›</a:t>
             </a:fld>
             <a:endParaRPr lang="en-GB"/>
           </a:p>
@@ -3390,7 +3393,7 @@
           <a:p>
             <a:fld id="{AE8CC84D-3979-4E46-9A9F-65B7B277FF03}" type="slidenum">
               <a:rPr lang="en-GB" smtClean="0"/>
-              <a:t>‹Nr.›</a:t>
+              <a:t>‹#›</a:t>
             </a:fld>
             <a:endParaRPr lang="en-GB"/>
           </a:p>
@@ -3743,7 +3746,7 @@
           <a:p>
             <a:r>
               <a:rPr lang="de-DE" sz="6600" b="1" dirty="0"/>
-              <a:t>WP2</a:t>
+              <a:t>WP1</a:t>
             </a:r>
             <a:endParaRPr lang="en-GB" sz="6600" b="1" dirty="0"/>
           </a:p>
@@ -3773,24 +3776,8 @@
           <a:lstStyle/>
           <a:p>
             <a:r>
-              <a:rPr lang="de-DE" sz="2800" dirty="0" err="1"/>
-              <a:t>Optimization</a:t>
-            </a:r>
-            <a:r>
               <a:rPr lang="de-DE" sz="2800" dirty="0"/>
-              <a:t> </a:t>
-            </a:r>
-            <a:r>
-              <a:rPr lang="de-DE" sz="2800" dirty="0" err="1"/>
-              <a:t>with</a:t>
-            </a:r>
-            <a:r>
-              <a:rPr lang="de-DE" sz="2800" dirty="0"/>
-              <a:t> </a:t>
-            </a:r>
-            <a:r>
-              <a:rPr lang="de-DE" sz="2800" dirty="0" err="1"/>
-              <a:t>Gurobi</a:t>
+              <a:t>Path Enumeration</a:t>
             </a:r>
             <a:endParaRPr lang="en-GB" sz="2800" dirty="0"/>
           </a:p>
@@ -3855,12 +3842,99 @@
           <a:chExt cx="0" cy="0"/>
         </a:xfrm>
       </p:grpSpPr>
+      <p:sp>
+        <p:nvSpPr>
+          <p:cNvPr id="9" name="Textfeld 8">
+            <a:extLst>
+              <a:ext uri="{FF2B5EF4-FFF2-40B4-BE49-F238E27FC236}">
+                <a16:creationId xmlns:a16="http://schemas.microsoft.com/office/drawing/2014/main" id="{623EEABD-6E8F-CB5A-ACE5-10F24B969F4E}"/>
+              </a:ext>
+            </a:extLst>
+          </p:cNvPr>
+          <p:cNvSpPr txBox="1"/>
+          <p:nvPr/>
+        </p:nvSpPr>
+        <p:spPr>
+          <a:xfrm>
+            <a:off x="689733" y="365882"/>
+            <a:ext cx="3013710" cy="646331"/>
+          </a:xfrm>
+          <a:prstGeom prst="rect">
+            <a:avLst/>
+          </a:prstGeom>
+          <a:noFill/>
+        </p:spPr>
+        <p:txBody>
+          <a:bodyPr wrap="none" rtlCol="0">
+            <a:spAutoFit/>
+          </a:bodyPr>
+          <a:lstStyle/>
+          <a:p>
+            <a:pPr marL="285750" indent="-285750">
+              <a:buFont typeface="Arial" panose="020B0604020202020204" pitchFamily="34" charset="0"/>
+              <a:buChar char="•"/>
+            </a:pPr>
+            <a:r>
+              <a:rPr lang="de-DE" dirty="0"/>
+              <a:t>Total </a:t>
+            </a:r>
+            <a:r>
+              <a:rPr lang="de-DE" dirty="0" err="1"/>
+              <a:t>number</a:t>
+            </a:r>
+            <a:r>
+              <a:rPr lang="de-DE" dirty="0"/>
+              <a:t> </a:t>
+            </a:r>
+            <a:r>
+              <a:rPr lang="de-DE" dirty="0" err="1"/>
+              <a:t>of</a:t>
+            </a:r>
+            <a:r>
+              <a:rPr lang="de-DE" dirty="0"/>
+              <a:t> </a:t>
+            </a:r>
+            <a:r>
+              <a:rPr lang="de-DE" dirty="0" err="1"/>
+              <a:t>transcripts</a:t>
+            </a:r>
+            <a:endParaRPr lang="de-DE" dirty="0"/>
+          </a:p>
+          <a:p>
+            <a:pPr marL="285750" indent="-285750">
+              <a:buFont typeface="Arial" panose="020B0604020202020204" pitchFamily="34" charset="0"/>
+              <a:buChar char="•"/>
+            </a:pPr>
+            <a:r>
+              <a:rPr lang="de-DE" dirty="0" err="1"/>
+              <a:t>With</a:t>
+            </a:r>
+            <a:r>
+              <a:rPr lang="de-DE" dirty="0"/>
+              <a:t> </a:t>
+            </a:r>
+            <a:r>
+              <a:rPr lang="de-DE" dirty="0" err="1"/>
+              <a:t>sparsity</a:t>
+            </a:r>
+            <a:r>
+              <a:rPr lang="de-DE" dirty="0"/>
+              <a:t> </a:t>
+            </a:r>
+            <a:r>
+              <a:rPr lang="de-DE" dirty="0" err="1"/>
+              <a:t>constraints</a:t>
+            </a:r>
+            <a:endParaRPr lang="de-DE" dirty="0"/>
+          </a:p>
+        </p:txBody>
+      </p:sp>
       <p:pic>
         <p:nvPicPr>
-          <p:cNvPr id="4" name="Grafik 3">
-            <a:extLst>
-              <a:ext uri="{FF2B5EF4-FFF2-40B4-BE49-F238E27FC236}">
-                <a16:creationId xmlns:a16="http://schemas.microsoft.com/office/drawing/2014/main" id="{58D0BDA6-E388-3781-DCF0-98412CCAEBF7}"/>
+          <p:cNvPr id="5" name="Grafik 4">
+            <a:extLst>
+              <a:ext uri="{FF2B5EF4-FFF2-40B4-BE49-F238E27FC236}">
+                <a16:creationId xmlns:a16="http://schemas.microsoft.com/office/drawing/2014/main" id="{8D17BAC8-A529-F7EA-DCB8-B76A9D932C98}"/>
               </a:ext>
             </a:extLst>
           </p:cNvPr>
@@ -3877,8 +3951,8 @@
         </p:blipFill>
         <p:spPr>
           <a:xfrm>
-            <a:off x="183346" y="1219200"/>
-            <a:ext cx="11856051" cy="5314950"/>
+            <a:off x="215140" y="1178465"/>
+            <a:ext cx="11745523" cy="5227928"/>
           </a:xfrm>
           <a:prstGeom prst="rect">
             <a:avLst/>
@@ -3887,101 +3961,10 @@
       </p:pic>
       <p:sp>
         <p:nvSpPr>
-          <p:cNvPr id="5" name="Textfeld 4">
-            <a:extLst>
-              <a:ext uri="{FF2B5EF4-FFF2-40B4-BE49-F238E27FC236}">
-                <a16:creationId xmlns:a16="http://schemas.microsoft.com/office/drawing/2014/main" id="{22181EB3-1ED8-E450-0C47-F0443B77CB38}"/>
-              </a:ext>
-            </a:extLst>
-          </p:cNvPr>
-          <p:cNvSpPr txBox="1"/>
-          <p:nvPr/>
-        </p:nvSpPr>
-        <p:spPr>
-          <a:xfrm>
-            <a:off x="689733" y="365882"/>
-            <a:ext cx="3419847" cy="646331"/>
-          </a:xfrm>
-          <a:prstGeom prst="rect">
-            <a:avLst/>
-          </a:prstGeom>
-          <a:noFill/>
-        </p:spPr>
-        <p:txBody>
-          <a:bodyPr wrap="none" rtlCol="0">
-            <a:spAutoFit/>
-          </a:bodyPr>
-          <a:lstStyle/>
-          <a:p>
-            <a:pPr marL="285750" indent="-285750">
-              <a:buFont typeface="Arial" panose="020B0604020202020204" pitchFamily="34" charset="0"/>
-              <a:buChar char="•"/>
-            </a:pPr>
-            <a:r>
-              <a:rPr lang="de-DE" dirty="0" err="1"/>
-              <a:t>Number</a:t>
-            </a:r>
-            <a:r>
-              <a:rPr lang="de-DE" dirty="0"/>
-              <a:t> </a:t>
-            </a:r>
-            <a:r>
-              <a:rPr lang="de-DE" dirty="0" err="1"/>
-              <a:t>of</a:t>
-            </a:r>
-            <a:r>
-              <a:rPr lang="de-DE" dirty="0"/>
-              <a:t> </a:t>
-            </a:r>
-            <a:r>
-              <a:rPr lang="de-DE" dirty="0" err="1"/>
-              <a:t>transcripts</a:t>
-            </a:r>
-            <a:r>
-              <a:rPr lang="de-DE" dirty="0"/>
-              <a:t> per </a:t>
-            </a:r>
-            <a:r>
-              <a:rPr lang="de-DE" dirty="0" err="1"/>
-              <a:t>gene</a:t>
-            </a:r>
-            <a:endParaRPr lang="de-DE" dirty="0"/>
-          </a:p>
-          <a:p>
-            <a:pPr marL="285750" indent="-285750">
-              <a:buFont typeface="Arial" panose="020B0604020202020204" pitchFamily="34" charset="0"/>
-              <a:buChar char="•"/>
-            </a:pPr>
-            <a:r>
-              <a:rPr lang="de-DE" dirty="0" err="1"/>
-              <a:t>With</a:t>
-            </a:r>
-            <a:r>
-              <a:rPr lang="de-DE" dirty="0"/>
-              <a:t> </a:t>
-            </a:r>
-            <a:r>
-              <a:rPr lang="de-DE" dirty="0" err="1"/>
-              <a:t>sparsity</a:t>
-            </a:r>
-            <a:r>
-              <a:rPr lang="de-DE" dirty="0"/>
-              <a:t> </a:t>
-            </a:r>
-            <a:r>
-              <a:rPr lang="de-DE" dirty="0" err="1"/>
-              <a:t>constraints</a:t>
-            </a:r>
-            <a:endParaRPr lang="de-DE" dirty="0"/>
-          </a:p>
-        </p:txBody>
-      </p:sp>
-      <p:sp>
-        <p:nvSpPr>
           <p:cNvPr id="7" name="Foliennummernplatzhalter 6">
             <a:extLst>
               <a:ext uri="{FF2B5EF4-FFF2-40B4-BE49-F238E27FC236}">
-                <a16:creationId xmlns:a16="http://schemas.microsoft.com/office/drawing/2014/main" id="{1885A458-11FE-D0BA-CEAE-2AD89855195E}"/>
+                <a16:creationId xmlns:a16="http://schemas.microsoft.com/office/drawing/2014/main" id="{95BA45F0-035B-4653-B7C6-39EC4064BF9E}"/>
               </a:ext>
             </a:extLst>
           </p:cNvPr>
@@ -4008,7 +3991,7 @@
     </p:spTree>
     <p:extLst>
       <p:ext uri="{BB962C8B-B14F-4D97-AF65-F5344CB8AC3E}">
-        <p14:creationId xmlns:p14="http://schemas.microsoft.com/office/powerpoint/2010/main" val="1349479119"/>
+        <p14:creationId xmlns:p14="http://schemas.microsoft.com/office/powerpoint/2010/main" val="1659368466"/>
       </p:ext>
     </p:extLst>
   </p:cSld>
@@ -4037,10 +4020,10 @@
       </p:grpSpPr>
       <p:pic>
         <p:nvPicPr>
-          <p:cNvPr id="6" name="Grafik 5">
-            <a:extLst>
-              <a:ext uri="{FF2B5EF4-FFF2-40B4-BE49-F238E27FC236}">
-                <a16:creationId xmlns:a16="http://schemas.microsoft.com/office/drawing/2014/main" id="{699369C3-B1FF-21E6-4138-325DE13E3D62}"/>
+          <p:cNvPr id="5" name="Grafik 4">
+            <a:extLst>
+              <a:ext uri="{FF2B5EF4-FFF2-40B4-BE49-F238E27FC236}">
+                <a16:creationId xmlns:a16="http://schemas.microsoft.com/office/drawing/2014/main" id="{D458B4DF-E941-BDA1-B46D-1F666F90B795}"/>
               </a:ext>
             </a:extLst>
           </p:cNvPr>
@@ -4057,8 +4040,8 @@
         </p:blipFill>
         <p:spPr>
           <a:xfrm>
-            <a:off x="201616" y="1638301"/>
-            <a:ext cx="11788767" cy="4556022"/>
+            <a:off x="194143" y="1587420"/>
+            <a:ext cx="11803713" cy="4561798"/>
           </a:xfrm>
           <a:prstGeom prst="rect">
             <a:avLst/>
@@ -4067,10 +4050,10 @@
       </p:pic>
       <p:sp>
         <p:nvSpPr>
-          <p:cNvPr id="7" name="Textfeld 6">
-            <a:extLst>
-              <a:ext uri="{FF2B5EF4-FFF2-40B4-BE49-F238E27FC236}">
-                <a16:creationId xmlns:a16="http://schemas.microsoft.com/office/drawing/2014/main" id="{2A01B1B1-37EE-5426-A5DE-343ADFBE061D}"/>
+          <p:cNvPr id="6" name="Textfeld 5">
+            <a:extLst>
+              <a:ext uri="{FF2B5EF4-FFF2-40B4-BE49-F238E27FC236}">
+                <a16:creationId xmlns:a16="http://schemas.microsoft.com/office/drawing/2014/main" id="{19DF2B48-193C-2AB0-D41B-180FA59CE6FB}"/>
               </a:ext>
             </a:extLst>
           </p:cNvPr>
@@ -4079,8 +4062,8 @@
         </p:nvSpPr>
         <p:spPr>
           <a:xfrm>
-            <a:off x="737358" y="527807"/>
-            <a:ext cx="3408882" cy="646331"/>
+            <a:off x="756408" y="613532"/>
+            <a:ext cx="3419847" cy="646331"/>
           </a:xfrm>
           <a:prstGeom prst="rect">
             <a:avLst/>
@@ -4115,7 +4098,7 @@
             </a:r>
             <a:r>
               <a:rPr lang="de-DE" dirty="0" err="1"/>
-              <a:t>exons</a:t>
+              <a:t>transcripts</a:t>
             </a:r>
             <a:r>
               <a:rPr lang="de-DE" dirty="0"/>
@@ -4123,7 +4106,7 @@
             </a:r>
             <a:r>
               <a:rPr lang="de-DE" dirty="0" err="1"/>
-              <a:t>transcript</a:t>
+              <a:t>gene</a:t>
             </a:r>
             <a:endParaRPr lang="de-DE" dirty="0"/>
           </a:p>
@@ -4161,7 +4144,7 @@
           <p:cNvPr id="8" name="Foliennummernplatzhalter 7">
             <a:extLst>
               <a:ext uri="{FF2B5EF4-FFF2-40B4-BE49-F238E27FC236}">
-                <a16:creationId xmlns:a16="http://schemas.microsoft.com/office/drawing/2014/main" id="{70C9299D-CBDC-AA5A-189F-BEDB21C397E3}"/>
+                <a16:creationId xmlns:a16="http://schemas.microsoft.com/office/drawing/2014/main" id="{3D8E735D-DCC9-2D40-97FD-D919323F522D}"/>
               </a:ext>
             </a:extLst>
           </p:cNvPr>
@@ -4188,7 +4171,7 @@
     </p:spTree>
     <p:extLst>
       <p:ext uri="{BB962C8B-B14F-4D97-AF65-F5344CB8AC3E}">
-        <p14:creationId xmlns:p14="http://schemas.microsoft.com/office/powerpoint/2010/main" val="1172974844"/>
+        <p14:creationId xmlns:p14="http://schemas.microsoft.com/office/powerpoint/2010/main" val="1453362064"/>
       </p:ext>
     </p:extLst>
   </p:cSld>
@@ -4215,103 +4198,12 @@
           <a:chExt cx="0" cy="0"/>
         </a:xfrm>
       </p:grpSpPr>
-      <p:sp>
-        <p:nvSpPr>
-          <p:cNvPr id="7" name="Textfeld 6">
-            <a:extLst>
-              <a:ext uri="{FF2B5EF4-FFF2-40B4-BE49-F238E27FC236}">
-                <a16:creationId xmlns:a16="http://schemas.microsoft.com/office/drawing/2014/main" id="{2A01B1B1-37EE-5426-A5DE-343ADFBE061D}"/>
-              </a:ext>
-            </a:extLst>
-          </p:cNvPr>
-          <p:cNvSpPr txBox="1"/>
-          <p:nvPr/>
-        </p:nvSpPr>
-        <p:spPr>
-          <a:xfrm>
-            <a:off x="737358" y="527807"/>
-            <a:ext cx="3408882" cy="646331"/>
-          </a:xfrm>
-          <a:prstGeom prst="rect">
-            <a:avLst/>
-          </a:prstGeom>
-          <a:noFill/>
-        </p:spPr>
-        <p:txBody>
-          <a:bodyPr wrap="none" rtlCol="0">
-            <a:spAutoFit/>
-          </a:bodyPr>
-          <a:lstStyle/>
-          <a:p>
-            <a:pPr marL="285750" indent="-285750">
-              <a:buFont typeface="Arial" panose="020B0604020202020204" pitchFamily="34" charset="0"/>
-              <a:buChar char="•"/>
-            </a:pPr>
-            <a:r>
-              <a:rPr lang="de-DE" dirty="0" err="1"/>
-              <a:t>Number</a:t>
-            </a:r>
-            <a:r>
-              <a:rPr lang="de-DE" dirty="0"/>
-              <a:t> </a:t>
-            </a:r>
-            <a:r>
-              <a:rPr lang="de-DE" dirty="0" err="1"/>
-              <a:t>of</a:t>
-            </a:r>
-            <a:r>
-              <a:rPr lang="de-DE" dirty="0"/>
-              <a:t> </a:t>
-            </a:r>
-            <a:r>
-              <a:rPr lang="de-DE" dirty="0" err="1"/>
-              <a:t>exons</a:t>
-            </a:r>
-            <a:r>
-              <a:rPr lang="de-DE" dirty="0"/>
-              <a:t> per </a:t>
-            </a:r>
-            <a:r>
-              <a:rPr lang="de-DE" dirty="0" err="1"/>
-              <a:t>transcript</a:t>
-            </a:r>
-            <a:endParaRPr lang="de-DE" dirty="0"/>
-          </a:p>
-          <a:p>
-            <a:pPr marL="285750" indent="-285750">
-              <a:buFont typeface="Arial" panose="020B0604020202020204" pitchFamily="34" charset="0"/>
-              <a:buChar char="•"/>
-            </a:pPr>
-            <a:r>
-              <a:rPr lang="de-DE" dirty="0" err="1"/>
-              <a:t>Without</a:t>
-            </a:r>
-            <a:r>
-              <a:rPr lang="de-DE" dirty="0"/>
-              <a:t> </a:t>
-            </a:r>
-            <a:r>
-              <a:rPr lang="de-DE" dirty="0" err="1"/>
-              <a:t>sparsity</a:t>
-            </a:r>
-            <a:r>
-              <a:rPr lang="de-DE" dirty="0"/>
-              <a:t> </a:t>
-            </a:r>
-            <a:r>
-              <a:rPr lang="de-DE" dirty="0" err="1"/>
-              <a:t>constraints</a:t>
-            </a:r>
-            <a:endParaRPr lang="de-DE" dirty="0"/>
-          </a:p>
-        </p:txBody>
-      </p:sp>
       <p:pic>
         <p:nvPicPr>
-          <p:cNvPr id="2" name="Grafik 1">
-            <a:extLst>
-              <a:ext uri="{FF2B5EF4-FFF2-40B4-BE49-F238E27FC236}">
-                <a16:creationId xmlns:a16="http://schemas.microsoft.com/office/drawing/2014/main" id="{BCCCC2C6-96A3-80E9-B637-E42277814A5D}"/>
+          <p:cNvPr id="4" name="Grafik 3">
+            <a:extLst>
+              <a:ext uri="{FF2B5EF4-FFF2-40B4-BE49-F238E27FC236}">
+                <a16:creationId xmlns:a16="http://schemas.microsoft.com/office/drawing/2014/main" id="{747FD049-0B16-27A7-0F77-20162591C7EE}"/>
               </a:ext>
             </a:extLst>
           </p:cNvPr>
@@ -4328,8 +4220,8 @@
         </p:blipFill>
         <p:spPr>
           <a:xfrm>
-            <a:off x="188465" y="1531386"/>
-            <a:ext cx="11815069" cy="4545564"/>
+            <a:off x="257175" y="1704975"/>
+            <a:ext cx="11731056" cy="4517879"/>
           </a:xfrm>
           <a:prstGeom prst="rect">
             <a:avLst/>
@@ -4338,10 +4230,101 @@
       </p:pic>
       <p:sp>
         <p:nvSpPr>
-          <p:cNvPr id="3" name="Foliennummernplatzhalter 2">
-            <a:extLst>
-              <a:ext uri="{FF2B5EF4-FFF2-40B4-BE49-F238E27FC236}">
-                <a16:creationId xmlns:a16="http://schemas.microsoft.com/office/drawing/2014/main" id="{E10B5782-E2C0-FB91-2CA4-4707F8A66ECA}"/>
+          <p:cNvPr id="5" name="Textfeld 4">
+            <a:extLst>
+              <a:ext uri="{FF2B5EF4-FFF2-40B4-BE49-F238E27FC236}">
+                <a16:creationId xmlns:a16="http://schemas.microsoft.com/office/drawing/2014/main" id="{0FFE3731-293E-487B-33E2-03A50276A1D6}"/>
+              </a:ext>
+            </a:extLst>
+          </p:cNvPr>
+          <p:cNvSpPr txBox="1"/>
+          <p:nvPr/>
+        </p:nvSpPr>
+        <p:spPr>
+          <a:xfrm>
+            <a:off x="756408" y="613532"/>
+            <a:ext cx="3419847" cy="646331"/>
+          </a:xfrm>
+          <a:prstGeom prst="rect">
+            <a:avLst/>
+          </a:prstGeom>
+          <a:noFill/>
+        </p:spPr>
+        <p:txBody>
+          <a:bodyPr wrap="none" rtlCol="0">
+            <a:spAutoFit/>
+          </a:bodyPr>
+          <a:lstStyle/>
+          <a:p>
+            <a:pPr marL="285750" indent="-285750">
+              <a:buFont typeface="Arial" panose="020B0604020202020204" pitchFamily="34" charset="0"/>
+              <a:buChar char="•"/>
+            </a:pPr>
+            <a:r>
+              <a:rPr lang="de-DE" dirty="0" err="1"/>
+              <a:t>Number</a:t>
+            </a:r>
+            <a:r>
+              <a:rPr lang="de-DE" dirty="0"/>
+              <a:t> </a:t>
+            </a:r>
+            <a:r>
+              <a:rPr lang="de-DE" dirty="0" err="1"/>
+              <a:t>of</a:t>
+            </a:r>
+            <a:r>
+              <a:rPr lang="de-DE" dirty="0"/>
+              <a:t> </a:t>
+            </a:r>
+            <a:r>
+              <a:rPr lang="de-DE" dirty="0" err="1"/>
+              <a:t>transcripts</a:t>
+            </a:r>
+            <a:r>
+              <a:rPr lang="de-DE" dirty="0"/>
+              <a:t> per </a:t>
+            </a:r>
+            <a:r>
+              <a:rPr lang="de-DE" dirty="0" err="1"/>
+              <a:t>gene</a:t>
+            </a:r>
+            <a:endParaRPr lang="de-DE" dirty="0"/>
+          </a:p>
+          <a:p>
+            <a:pPr marL="285750" indent="-285750">
+              <a:buFont typeface="Arial" panose="020B0604020202020204" pitchFamily="34" charset="0"/>
+              <a:buChar char="•"/>
+            </a:pPr>
+            <a:r>
+              <a:rPr lang="de-DE" dirty="0" err="1"/>
+              <a:t>Without</a:t>
+            </a:r>
+            <a:r>
+              <a:rPr lang="de-DE" dirty="0"/>
+              <a:t> </a:t>
+            </a:r>
+            <a:r>
+              <a:rPr lang="de-DE" dirty="0" err="1"/>
+              <a:t>sparsity</a:t>
+            </a:r>
+            <a:r>
+              <a:rPr lang="de-DE" dirty="0"/>
+              <a:t> </a:t>
+            </a:r>
+            <a:r>
+              <a:rPr lang="de-DE" dirty="0" err="1"/>
+              <a:t>constraints</a:t>
+            </a:r>
+            <a:endParaRPr lang="de-DE" dirty="0"/>
+          </a:p>
+        </p:txBody>
+      </p:sp>
+      <p:sp>
+        <p:nvSpPr>
+          <p:cNvPr id="6" name="Foliennummernplatzhalter 5">
+            <a:extLst>
+              <a:ext uri="{FF2B5EF4-FFF2-40B4-BE49-F238E27FC236}">
+                <a16:creationId xmlns:a16="http://schemas.microsoft.com/office/drawing/2014/main" id="{29CCB25A-D50E-9DFF-CF0B-8E5DBD42863E}"/>
               </a:ext>
             </a:extLst>
           </p:cNvPr>
@@ -4368,7 +4351,7 @@
     </p:spTree>
     <p:extLst>
       <p:ext uri="{BB962C8B-B14F-4D97-AF65-F5344CB8AC3E}">
-        <p14:creationId xmlns:p14="http://schemas.microsoft.com/office/powerpoint/2010/main" val="1168583440"/>
+        <p14:creationId xmlns:p14="http://schemas.microsoft.com/office/powerpoint/2010/main" val="666133355"/>
       </p:ext>
     </p:extLst>
   </p:cSld>
@@ -4397,10 +4380,10 @@
       </p:grpSpPr>
       <p:pic>
         <p:nvPicPr>
-          <p:cNvPr id="5" name="Grafik 4">
-            <a:extLst>
-              <a:ext uri="{FF2B5EF4-FFF2-40B4-BE49-F238E27FC236}">
-                <a16:creationId xmlns:a16="http://schemas.microsoft.com/office/drawing/2014/main" id="{81B28146-27D8-3BAD-A7C4-A4A804900DAF}"/>
+          <p:cNvPr id="4" name="Grafik 3">
+            <a:extLst>
+              <a:ext uri="{FF2B5EF4-FFF2-40B4-BE49-F238E27FC236}">
+                <a16:creationId xmlns:a16="http://schemas.microsoft.com/office/drawing/2014/main" id="{58D0BDA6-E388-3781-DCF0-98412CCAEBF7}"/>
               </a:ext>
             </a:extLst>
           </p:cNvPr>
@@ -4417,8 +4400,8 @@
         </p:blipFill>
         <p:spPr>
           <a:xfrm>
-            <a:off x="294519" y="1200937"/>
-            <a:ext cx="11602961" cy="5237963"/>
+            <a:off x="183346" y="1219200"/>
+            <a:ext cx="11856051" cy="5314950"/>
           </a:xfrm>
           <a:prstGeom prst="rect">
             <a:avLst/>
@@ -4427,10 +4410,10 @@
       </p:pic>
       <p:sp>
         <p:nvSpPr>
-          <p:cNvPr id="6" name="Textfeld 5">
-            <a:extLst>
-              <a:ext uri="{FF2B5EF4-FFF2-40B4-BE49-F238E27FC236}">
-                <a16:creationId xmlns:a16="http://schemas.microsoft.com/office/drawing/2014/main" id="{13945E3F-864E-CC4E-0980-33098FCCF4B8}"/>
+          <p:cNvPr id="5" name="Textfeld 4">
+            <a:extLst>
+              <a:ext uri="{FF2B5EF4-FFF2-40B4-BE49-F238E27FC236}">
+                <a16:creationId xmlns:a16="http://schemas.microsoft.com/office/drawing/2014/main" id="{22181EB3-1ED8-E450-0C47-F0443B77CB38}"/>
               </a:ext>
             </a:extLst>
           </p:cNvPr>
@@ -4440,7 +4423,7 @@
         <p:spPr>
           <a:xfrm>
             <a:off x="689733" y="365882"/>
-            <a:ext cx="3408882" cy="646331"/>
+            <a:ext cx="3419847" cy="646331"/>
           </a:xfrm>
           <a:prstGeom prst="rect">
             <a:avLst/>
@@ -4475,7 +4458,7 @@
             </a:r>
             <a:r>
               <a:rPr lang="de-DE" dirty="0" err="1"/>
-              <a:t>exons</a:t>
+              <a:t>transcripts</a:t>
             </a:r>
             <a:r>
               <a:rPr lang="de-DE" dirty="0"/>
@@ -4483,7 +4466,7 @@
             </a:r>
             <a:r>
               <a:rPr lang="de-DE" dirty="0" err="1"/>
-              <a:t>transcript</a:t>
+              <a:t>gene</a:t>
             </a:r>
             <a:endParaRPr lang="de-DE" dirty="0"/>
           </a:p>
@@ -4518,10 +4501,10 @@
       </p:sp>
       <p:sp>
         <p:nvSpPr>
-          <p:cNvPr id="8" name="Foliennummernplatzhalter 7">
-            <a:extLst>
-              <a:ext uri="{FF2B5EF4-FFF2-40B4-BE49-F238E27FC236}">
-                <a16:creationId xmlns:a16="http://schemas.microsoft.com/office/drawing/2014/main" id="{35BF44D7-1283-09BC-9EAD-02DA5965CDAC}"/>
+          <p:cNvPr id="7" name="Foliennummernplatzhalter 6">
+            <a:extLst>
+              <a:ext uri="{FF2B5EF4-FFF2-40B4-BE49-F238E27FC236}">
+                <a16:creationId xmlns:a16="http://schemas.microsoft.com/office/drawing/2014/main" id="{1885A458-11FE-D0BA-CEAE-2AD89855195E}"/>
               </a:ext>
             </a:extLst>
           </p:cNvPr>
@@ -4548,7 +4531,7 @@
     </p:spTree>
     <p:extLst>
       <p:ext uri="{BB962C8B-B14F-4D97-AF65-F5344CB8AC3E}">
-        <p14:creationId xmlns:p14="http://schemas.microsoft.com/office/powerpoint/2010/main" val="4196037502"/>
+        <p14:creationId xmlns:p14="http://schemas.microsoft.com/office/powerpoint/2010/main" val="1349479119"/>
       </p:ext>
     </p:extLst>
   </p:cSld>
@@ -4575,6 +4558,546 @@
           <a:chExt cx="0" cy="0"/>
         </a:xfrm>
       </p:grpSpPr>
+      <p:pic>
+        <p:nvPicPr>
+          <p:cNvPr id="6" name="Grafik 5">
+            <a:extLst>
+              <a:ext uri="{FF2B5EF4-FFF2-40B4-BE49-F238E27FC236}">
+                <a16:creationId xmlns:a16="http://schemas.microsoft.com/office/drawing/2014/main" id="{699369C3-B1FF-21E6-4138-325DE13E3D62}"/>
+              </a:ext>
+            </a:extLst>
+          </p:cNvPr>
+          <p:cNvPicPr>
+            <a:picLocks noChangeAspect="1"/>
+          </p:cNvPicPr>
+          <p:nvPr/>
+        </p:nvPicPr>
+        <p:blipFill>
+          <a:blip r:embed="rId2"/>
+          <a:stretch>
+            <a:fillRect/>
+          </a:stretch>
+        </p:blipFill>
+        <p:spPr>
+          <a:xfrm>
+            <a:off x="201616" y="1638301"/>
+            <a:ext cx="11788767" cy="4556022"/>
+          </a:xfrm>
+          <a:prstGeom prst="rect">
+            <a:avLst/>
+          </a:prstGeom>
+        </p:spPr>
+      </p:pic>
+      <p:sp>
+        <p:nvSpPr>
+          <p:cNvPr id="7" name="Textfeld 6">
+            <a:extLst>
+              <a:ext uri="{FF2B5EF4-FFF2-40B4-BE49-F238E27FC236}">
+                <a16:creationId xmlns:a16="http://schemas.microsoft.com/office/drawing/2014/main" id="{2A01B1B1-37EE-5426-A5DE-343ADFBE061D}"/>
+              </a:ext>
+            </a:extLst>
+          </p:cNvPr>
+          <p:cNvSpPr txBox="1"/>
+          <p:nvPr/>
+        </p:nvSpPr>
+        <p:spPr>
+          <a:xfrm>
+            <a:off x="737358" y="527807"/>
+            <a:ext cx="3408882" cy="646331"/>
+          </a:xfrm>
+          <a:prstGeom prst="rect">
+            <a:avLst/>
+          </a:prstGeom>
+          <a:noFill/>
+        </p:spPr>
+        <p:txBody>
+          <a:bodyPr wrap="none" rtlCol="0">
+            <a:spAutoFit/>
+          </a:bodyPr>
+          <a:lstStyle/>
+          <a:p>
+            <a:pPr marL="285750" indent="-285750">
+              <a:buFont typeface="Arial" panose="020B0604020202020204" pitchFamily="34" charset="0"/>
+              <a:buChar char="•"/>
+            </a:pPr>
+            <a:r>
+              <a:rPr lang="de-DE" dirty="0" err="1"/>
+              <a:t>Number</a:t>
+            </a:r>
+            <a:r>
+              <a:rPr lang="de-DE" dirty="0"/>
+              <a:t> </a:t>
+            </a:r>
+            <a:r>
+              <a:rPr lang="de-DE" dirty="0" err="1"/>
+              <a:t>of</a:t>
+            </a:r>
+            <a:r>
+              <a:rPr lang="de-DE" dirty="0"/>
+              <a:t> </a:t>
+            </a:r>
+            <a:r>
+              <a:rPr lang="de-DE" dirty="0" err="1"/>
+              <a:t>exons</a:t>
+            </a:r>
+            <a:r>
+              <a:rPr lang="de-DE" dirty="0"/>
+              <a:t> per </a:t>
+            </a:r>
+            <a:r>
+              <a:rPr lang="de-DE" dirty="0" err="1"/>
+              <a:t>transcript</a:t>
+            </a:r>
+            <a:endParaRPr lang="de-DE" dirty="0"/>
+          </a:p>
+          <a:p>
+            <a:pPr marL="285750" indent="-285750">
+              <a:buFont typeface="Arial" panose="020B0604020202020204" pitchFamily="34" charset="0"/>
+              <a:buChar char="•"/>
+            </a:pPr>
+            <a:r>
+              <a:rPr lang="de-DE" dirty="0" err="1"/>
+              <a:t>Without</a:t>
+            </a:r>
+            <a:r>
+              <a:rPr lang="de-DE" dirty="0"/>
+              <a:t> </a:t>
+            </a:r>
+            <a:r>
+              <a:rPr lang="de-DE" dirty="0" err="1"/>
+              <a:t>sparsity</a:t>
+            </a:r>
+            <a:r>
+              <a:rPr lang="de-DE" dirty="0"/>
+              <a:t> </a:t>
+            </a:r>
+            <a:r>
+              <a:rPr lang="de-DE" dirty="0" err="1"/>
+              <a:t>constraints</a:t>
+            </a:r>
+            <a:endParaRPr lang="de-DE" dirty="0"/>
+          </a:p>
+        </p:txBody>
+      </p:sp>
+      <p:sp>
+        <p:nvSpPr>
+          <p:cNvPr id="8" name="Foliennummernplatzhalter 7">
+            <a:extLst>
+              <a:ext uri="{FF2B5EF4-FFF2-40B4-BE49-F238E27FC236}">
+                <a16:creationId xmlns:a16="http://schemas.microsoft.com/office/drawing/2014/main" id="{70C9299D-CBDC-AA5A-189F-BEDB21C397E3}"/>
+              </a:ext>
+            </a:extLst>
+          </p:cNvPr>
+          <p:cNvSpPr>
+            <a:spLocks noGrp="1"/>
+          </p:cNvSpPr>
+          <p:nvPr>
+            <p:ph type="sldNum" sz="quarter" idx="12"/>
+          </p:nvPr>
+        </p:nvSpPr>
+        <p:spPr/>
+        <p:txBody>
+          <a:bodyPr/>
+          <a:lstStyle/>
+          <a:p>
+            <a:fld id="{AE8CC84D-3979-4E46-9A9F-65B7B277FF03}" type="slidenum">
+              <a:rPr lang="en-GB" smtClean="0"/>
+              <a:t>14</a:t>
+            </a:fld>
+            <a:endParaRPr lang="en-GB"/>
+          </a:p>
+        </p:txBody>
+      </p:sp>
+    </p:spTree>
+    <p:extLst>
+      <p:ext uri="{BB962C8B-B14F-4D97-AF65-F5344CB8AC3E}">
+        <p14:creationId xmlns:p14="http://schemas.microsoft.com/office/powerpoint/2010/main" val="1172974844"/>
+      </p:ext>
+    </p:extLst>
+  </p:cSld>
+  <p:clrMapOvr>
+    <a:masterClrMapping/>
+  </p:clrMapOvr>
+</p:sld>
+</file>
+
+<file path=ppt/slides/slide15.xml><?xml version="1.0" encoding="utf-8"?>
+<p:sld xmlns:a="http://schemas.openxmlformats.org/drawingml/2006/main" xmlns:r="http://schemas.openxmlformats.org/officeDocument/2006/relationships" xmlns:p="http://schemas.openxmlformats.org/presentationml/2006/main">
+  <p:cSld>
+    <p:spTree>
+      <p:nvGrpSpPr>
+        <p:cNvPr id="1" name=""/>
+        <p:cNvGrpSpPr/>
+        <p:nvPr/>
+      </p:nvGrpSpPr>
+      <p:grpSpPr>
+        <a:xfrm>
+          <a:off x="0" y="0"/>
+          <a:ext cx="0" cy="0"/>
+          <a:chOff x="0" y="0"/>
+          <a:chExt cx="0" cy="0"/>
+        </a:xfrm>
+      </p:grpSpPr>
+      <p:sp>
+        <p:nvSpPr>
+          <p:cNvPr id="7" name="Textfeld 6">
+            <a:extLst>
+              <a:ext uri="{FF2B5EF4-FFF2-40B4-BE49-F238E27FC236}">
+                <a16:creationId xmlns:a16="http://schemas.microsoft.com/office/drawing/2014/main" id="{2A01B1B1-37EE-5426-A5DE-343ADFBE061D}"/>
+              </a:ext>
+            </a:extLst>
+          </p:cNvPr>
+          <p:cNvSpPr txBox="1"/>
+          <p:nvPr/>
+        </p:nvSpPr>
+        <p:spPr>
+          <a:xfrm>
+            <a:off x="737358" y="527807"/>
+            <a:ext cx="3408882" cy="646331"/>
+          </a:xfrm>
+          <a:prstGeom prst="rect">
+            <a:avLst/>
+          </a:prstGeom>
+          <a:noFill/>
+        </p:spPr>
+        <p:txBody>
+          <a:bodyPr wrap="none" rtlCol="0">
+            <a:spAutoFit/>
+          </a:bodyPr>
+          <a:lstStyle/>
+          <a:p>
+            <a:pPr marL="285750" indent="-285750">
+              <a:buFont typeface="Arial" panose="020B0604020202020204" pitchFamily="34" charset="0"/>
+              <a:buChar char="•"/>
+            </a:pPr>
+            <a:r>
+              <a:rPr lang="de-DE" dirty="0" err="1"/>
+              <a:t>Number</a:t>
+            </a:r>
+            <a:r>
+              <a:rPr lang="de-DE" dirty="0"/>
+              <a:t> </a:t>
+            </a:r>
+            <a:r>
+              <a:rPr lang="de-DE" dirty="0" err="1"/>
+              <a:t>of</a:t>
+            </a:r>
+            <a:r>
+              <a:rPr lang="de-DE" dirty="0"/>
+              <a:t> </a:t>
+            </a:r>
+            <a:r>
+              <a:rPr lang="de-DE" dirty="0" err="1"/>
+              <a:t>exons</a:t>
+            </a:r>
+            <a:r>
+              <a:rPr lang="de-DE" dirty="0"/>
+              <a:t> per </a:t>
+            </a:r>
+            <a:r>
+              <a:rPr lang="de-DE" dirty="0" err="1"/>
+              <a:t>transcript</a:t>
+            </a:r>
+            <a:endParaRPr lang="de-DE" dirty="0"/>
+          </a:p>
+          <a:p>
+            <a:pPr marL="285750" indent="-285750">
+              <a:buFont typeface="Arial" panose="020B0604020202020204" pitchFamily="34" charset="0"/>
+              <a:buChar char="•"/>
+            </a:pPr>
+            <a:r>
+              <a:rPr lang="de-DE" dirty="0" err="1"/>
+              <a:t>Without</a:t>
+            </a:r>
+            <a:r>
+              <a:rPr lang="de-DE" dirty="0"/>
+              <a:t> </a:t>
+            </a:r>
+            <a:r>
+              <a:rPr lang="de-DE" dirty="0" err="1"/>
+              <a:t>sparsity</a:t>
+            </a:r>
+            <a:r>
+              <a:rPr lang="de-DE" dirty="0"/>
+              <a:t> </a:t>
+            </a:r>
+            <a:r>
+              <a:rPr lang="de-DE" dirty="0" err="1"/>
+              <a:t>constraints</a:t>
+            </a:r>
+            <a:endParaRPr lang="de-DE" dirty="0"/>
+          </a:p>
+        </p:txBody>
+      </p:sp>
+      <p:pic>
+        <p:nvPicPr>
+          <p:cNvPr id="2" name="Grafik 1">
+            <a:extLst>
+              <a:ext uri="{FF2B5EF4-FFF2-40B4-BE49-F238E27FC236}">
+                <a16:creationId xmlns:a16="http://schemas.microsoft.com/office/drawing/2014/main" id="{BCCCC2C6-96A3-80E9-B637-E42277814A5D}"/>
+              </a:ext>
+            </a:extLst>
+          </p:cNvPr>
+          <p:cNvPicPr>
+            <a:picLocks noChangeAspect="1"/>
+          </p:cNvPicPr>
+          <p:nvPr/>
+        </p:nvPicPr>
+        <p:blipFill>
+          <a:blip r:embed="rId2"/>
+          <a:stretch>
+            <a:fillRect/>
+          </a:stretch>
+        </p:blipFill>
+        <p:spPr>
+          <a:xfrm>
+            <a:off x="188465" y="1531386"/>
+            <a:ext cx="11815069" cy="4545564"/>
+          </a:xfrm>
+          <a:prstGeom prst="rect">
+            <a:avLst/>
+          </a:prstGeom>
+        </p:spPr>
+      </p:pic>
+      <p:sp>
+        <p:nvSpPr>
+          <p:cNvPr id="3" name="Foliennummernplatzhalter 2">
+            <a:extLst>
+              <a:ext uri="{FF2B5EF4-FFF2-40B4-BE49-F238E27FC236}">
+                <a16:creationId xmlns:a16="http://schemas.microsoft.com/office/drawing/2014/main" id="{E10B5782-E2C0-FB91-2CA4-4707F8A66ECA}"/>
+              </a:ext>
+            </a:extLst>
+          </p:cNvPr>
+          <p:cNvSpPr>
+            <a:spLocks noGrp="1"/>
+          </p:cNvSpPr>
+          <p:nvPr>
+            <p:ph type="sldNum" sz="quarter" idx="12"/>
+          </p:nvPr>
+        </p:nvSpPr>
+        <p:spPr/>
+        <p:txBody>
+          <a:bodyPr/>
+          <a:lstStyle/>
+          <a:p>
+            <a:fld id="{AE8CC84D-3979-4E46-9A9F-65B7B277FF03}" type="slidenum">
+              <a:rPr lang="en-GB" smtClean="0"/>
+              <a:t>15</a:t>
+            </a:fld>
+            <a:endParaRPr lang="en-GB"/>
+          </a:p>
+        </p:txBody>
+      </p:sp>
+    </p:spTree>
+    <p:extLst>
+      <p:ext uri="{BB962C8B-B14F-4D97-AF65-F5344CB8AC3E}">
+        <p14:creationId xmlns:p14="http://schemas.microsoft.com/office/powerpoint/2010/main" val="1168583440"/>
+      </p:ext>
+    </p:extLst>
+  </p:cSld>
+  <p:clrMapOvr>
+    <a:masterClrMapping/>
+  </p:clrMapOvr>
+</p:sld>
+</file>
+
+<file path=ppt/slides/slide16.xml><?xml version="1.0" encoding="utf-8"?>
+<p:sld xmlns:a="http://schemas.openxmlformats.org/drawingml/2006/main" xmlns:r="http://schemas.openxmlformats.org/officeDocument/2006/relationships" xmlns:p="http://schemas.openxmlformats.org/presentationml/2006/main">
+  <p:cSld>
+    <p:spTree>
+      <p:nvGrpSpPr>
+        <p:cNvPr id="1" name=""/>
+        <p:cNvGrpSpPr/>
+        <p:nvPr/>
+      </p:nvGrpSpPr>
+      <p:grpSpPr>
+        <a:xfrm>
+          <a:off x="0" y="0"/>
+          <a:ext cx="0" cy="0"/>
+          <a:chOff x="0" y="0"/>
+          <a:chExt cx="0" cy="0"/>
+        </a:xfrm>
+      </p:grpSpPr>
+      <p:pic>
+        <p:nvPicPr>
+          <p:cNvPr id="5" name="Grafik 4">
+            <a:extLst>
+              <a:ext uri="{FF2B5EF4-FFF2-40B4-BE49-F238E27FC236}">
+                <a16:creationId xmlns:a16="http://schemas.microsoft.com/office/drawing/2014/main" id="{81B28146-27D8-3BAD-A7C4-A4A804900DAF}"/>
+              </a:ext>
+            </a:extLst>
+          </p:cNvPr>
+          <p:cNvPicPr>
+            <a:picLocks noChangeAspect="1"/>
+          </p:cNvPicPr>
+          <p:nvPr/>
+        </p:nvPicPr>
+        <p:blipFill>
+          <a:blip r:embed="rId2"/>
+          <a:stretch>
+            <a:fillRect/>
+          </a:stretch>
+        </p:blipFill>
+        <p:spPr>
+          <a:xfrm>
+            <a:off x="294519" y="1200937"/>
+            <a:ext cx="11602961" cy="5237963"/>
+          </a:xfrm>
+          <a:prstGeom prst="rect">
+            <a:avLst/>
+          </a:prstGeom>
+        </p:spPr>
+      </p:pic>
+      <p:sp>
+        <p:nvSpPr>
+          <p:cNvPr id="6" name="Textfeld 5">
+            <a:extLst>
+              <a:ext uri="{FF2B5EF4-FFF2-40B4-BE49-F238E27FC236}">
+                <a16:creationId xmlns:a16="http://schemas.microsoft.com/office/drawing/2014/main" id="{13945E3F-864E-CC4E-0980-33098FCCF4B8}"/>
+              </a:ext>
+            </a:extLst>
+          </p:cNvPr>
+          <p:cNvSpPr txBox="1"/>
+          <p:nvPr/>
+        </p:nvSpPr>
+        <p:spPr>
+          <a:xfrm>
+            <a:off x="689733" y="365882"/>
+            <a:ext cx="3408882" cy="646331"/>
+          </a:xfrm>
+          <a:prstGeom prst="rect">
+            <a:avLst/>
+          </a:prstGeom>
+          <a:noFill/>
+        </p:spPr>
+        <p:txBody>
+          <a:bodyPr wrap="none" rtlCol="0">
+            <a:spAutoFit/>
+          </a:bodyPr>
+          <a:lstStyle/>
+          <a:p>
+            <a:pPr marL="285750" indent="-285750">
+              <a:buFont typeface="Arial" panose="020B0604020202020204" pitchFamily="34" charset="0"/>
+              <a:buChar char="•"/>
+            </a:pPr>
+            <a:r>
+              <a:rPr lang="de-DE" dirty="0" err="1"/>
+              <a:t>Number</a:t>
+            </a:r>
+            <a:r>
+              <a:rPr lang="de-DE" dirty="0"/>
+              <a:t> </a:t>
+            </a:r>
+            <a:r>
+              <a:rPr lang="de-DE" dirty="0" err="1"/>
+              <a:t>of</a:t>
+            </a:r>
+            <a:r>
+              <a:rPr lang="de-DE" dirty="0"/>
+              <a:t> </a:t>
+            </a:r>
+            <a:r>
+              <a:rPr lang="de-DE" dirty="0" err="1"/>
+              <a:t>exons</a:t>
+            </a:r>
+            <a:r>
+              <a:rPr lang="de-DE" dirty="0"/>
+              <a:t> per </a:t>
+            </a:r>
+            <a:r>
+              <a:rPr lang="de-DE" dirty="0" err="1"/>
+              <a:t>transcript</a:t>
+            </a:r>
+            <a:endParaRPr lang="de-DE" dirty="0"/>
+          </a:p>
+          <a:p>
+            <a:pPr marL="285750" indent="-285750">
+              <a:buFont typeface="Arial" panose="020B0604020202020204" pitchFamily="34" charset="0"/>
+              <a:buChar char="•"/>
+            </a:pPr>
+            <a:r>
+              <a:rPr lang="de-DE" dirty="0" err="1"/>
+              <a:t>With</a:t>
+            </a:r>
+            <a:r>
+              <a:rPr lang="de-DE" dirty="0"/>
+              <a:t> </a:t>
+            </a:r>
+            <a:r>
+              <a:rPr lang="de-DE" dirty="0" err="1"/>
+              <a:t>sparsity</a:t>
+            </a:r>
+            <a:r>
+              <a:rPr lang="de-DE" dirty="0"/>
+              <a:t> </a:t>
+            </a:r>
+            <a:r>
+              <a:rPr lang="de-DE" dirty="0" err="1"/>
+              <a:t>constraints</a:t>
+            </a:r>
+            <a:endParaRPr lang="de-DE" dirty="0"/>
+          </a:p>
+        </p:txBody>
+      </p:sp>
+      <p:sp>
+        <p:nvSpPr>
+          <p:cNvPr id="8" name="Foliennummernplatzhalter 7">
+            <a:extLst>
+              <a:ext uri="{FF2B5EF4-FFF2-40B4-BE49-F238E27FC236}">
+                <a16:creationId xmlns:a16="http://schemas.microsoft.com/office/drawing/2014/main" id="{35BF44D7-1283-09BC-9EAD-02DA5965CDAC}"/>
+              </a:ext>
+            </a:extLst>
+          </p:cNvPr>
+          <p:cNvSpPr>
+            <a:spLocks noGrp="1"/>
+          </p:cNvSpPr>
+          <p:nvPr>
+            <p:ph type="sldNum" sz="quarter" idx="12"/>
+          </p:nvPr>
+        </p:nvSpPr>
+        <p:spPr/>
+        <p:txBody>
+          <a:bodyPr/>
+          <a:lstStyle/>
+          <a:p>
+            <a:fld id="{AE8CC84D-3979-4E46-9A9F-65B7B277FF03}" type="slidenum">
+              <a:rPr lang="en-GB" smtClean="0"/>
+              <a:t>16</a:t>
+            </a:fld>
+            <a:endParaRPr lang="en-GB"/>
+          </a:p>
+        </p:txBody>
+      </p:sp>
+    </p:spTree>
+    <p:extLst>
+      <p:ext uri="{BB962C8B-B14F-4D97-AF65-F5344CB8AC3E}">
+        <p14:creationId xmlns:p14="http://schemas.microsoft.com/office/powerpoint/2010/main" val="4196037502"/>
+      </p:ext>
+    </p:extLst>
+  </p:cSld>
+  <p:clrMapOvr>
+    <a:masterClrMapping/>
+  </p:clrMapOvr>
+</p:sld>
+</file>
+
+<file path=ppt/slides/slide17.xml><?xml version="1.0" encoding="utf-8"?>
+<p:sld xmlns:a="http://schemas.openxmlformats.org/drawingml/2006/main" xmlns:r="http://schemas.openxmlformats.org/officeDocument/2006/relationships" xmlns:p="http://schemas.openxmlformats.org/presentationml/2006/main">
+  <p:cSld>
+    <p:spTree>
+      <p:nvGrpSpPr>
+        <p:cNvPr id="1" name=""/>
+        <p:cNvGrpSpPr/>
+        <p:nvPr/>
+      </p:nvGrpSpPr>
+      <p:grpSpPr>
+        <a:xfrm>
+          <a:off x="0" y="0"/>
+          <a:ext cx="0" cy="0"/>
+          <a:chOff x="0" y="0"/>
+          <a:chExt cx="0" cy="0"/>
+        </a:xfrm>
+      </p:grpSpPr>
       <p:sp>
         <p:nvSpPr>
           <p:cNvPr id="7" name="Textfeld 6">
@@ -4642,8 +5165,8 @@
           </a:p>
         </p:txBody>
       </p:sp>
-      <mc:AlternateContent xmlns:mc="http://schemas.openxmlformats.org/markup-compatibility/2006">
-        <mc:Choice xmlns:a14="http://schemas.microsoft.com/office/drawing/2010/main" Requires="a14">
+      <mc:AlternateContent xmlns:mc="http://schemas.openxmlformats.org/markup-compatibility/2006" xmlns:a14="http://schemas.microsoft.com/office/drawing/2010/main">
+        <mc:Choice Requires="a14">
           <p:sp>
             <p:nvSpPr>
               <p:cNvPr id="9" name="Textfeld 8">
@@ -4760,7 +5283,7 @@
             </p:txBody>
           </p:sp>
         </mc:Choice>
-        <mc:Fallback>
+        <mc:Fallback xmlns="">
           <p:sp>
             <p:nvSpPr>
               <p:cNvPr id="9" name="Textfeld 8">
@@ -4858,7 +5381,7 @@
           <a:p>
             <a:fld id="{AE8CC84D-3979-4E46-9A9F-65B7B277FF03}" type="slidenum">
               <a:rPr lang="en-GB" smtClean="0"/>
-              <a:t>14</a:t>
+              <a:t>17</a:t>
             </a:fld>
             <a:endParaRPr lang="en-GB"/>
           </a:p>
@@ -4877,7 +5400,7 @@
 </p:sld>
 </file>
 
-<file path=ppt/slides/slide15.xml><?xml version="1.0" encoding="utf-8"?>
+<file path=ppt/slides/slide18.xml><?xml version="1.0" encoding="utf-8"?>
 <p:sld xmlns:a="http://schemas.openxmlformats.org/drawingml/2006/main" xmlns:r="http://schemas.openxmlformats.org/officeDocument/2006/relationships" xmlns:p="http://schemas.openxmlformats.org/presentationml/2006/main">
   <p:cSld>
     <p:spTree>
@@ -4894,8 +5417,8 @@
           <a:chExt cx="0" cy="0"/>
         </a:xfrm>
       </p:grpSpPr>
-      <mc:AlternateContent xmlns:mc="http://schemas.openxmlformats.org/markup-compatibility/2006">
-        <mc:Choice xmlns:a14="http://schemas.microsoft.com/office/drawing/2010/main" Requires="a14">
+      <mc:AlternateContent xmlns:mc="http://schemas.openxmlformats.org/markup-compatibility/2006" xmlns:a14="http://schemas.microsoft.com/office/drawing/2010/main">
+        <mc:Choice Requires="a14">
           <p:sp>
             <p:nvSpPr>
               <p:cNvPr id="11" name="Textfeld 10">
@@ -4997,7 +5520,7 @@
             </p:txBody>
           </p:sp>
         </mc:Choice>
-        <mc:Fallback>
+        <mc:Fallback xmlns="">
           <p:sp>
             <p:nvSpPr>
               <p:cNvPr id="11" name="Textfeld 10">
@@ -5163,7 +5686,7 @@
           <a:p>
             <a:fld id="{AE8CC84D-3979-4E46-9A9F-65B7B277FF03}" type="slidenum">
               <a:rPr lang="en-GB" smtClean="0"/>
-              <a:t>15</a:t>
+              <a:t>18</a:t>
             </a:fld>
             <a:endParaRPr lang="en-GB"/>
           </a:p>
@@ -5182,7 +5705,7 @@
 </p:sld>
 </file>
 
-<file path=ppt/slides/slide16.xml><?xml version="1.0" encoding="utf-8"?>
+<file path=ppt/slides/slide19.xml><?xml version="1.0" encoding="utf-8"?>
 <p:sld xmlns:a="http://schemas.openxmlformats.org/drawingml/2006/main" xmlns:r="http://schemas.openxmlformats.org/officeDocument/2006/relationships" xmlns:p="http://schemas.openxmlformats.org/presentationml/2006/main">
   <p:cSld>
     <p:spTree>
@@ -5332,7 +5855,7 @@
           <a:p>
             <a:fld id="{AE8CC84D-3979-4E46-9A9F-65B7B277FF03}" type="slidenum">
               <a:rPr lang="en-GB" smtClean="0"/>
-              <a:t>16</a:t>
+              <a:t>19</a:t>
             </a:fld>
             <a:endParaRPr lang="en-GB"/>
           </a:p>
@@ -5351,7 +5874,101 @@
 </p:sld>
 </file>
 
-<file path=ppt/slides/slide17.xml><?xml version="1.0" encoding="utf-8"?>
+<file path=ppt/slides/slide2.xml><?xml version="1.0" encoding="utf-8"?>
+<p:sld xmlns:a="http://schemas.openxmlformats.org/drawingml/2006/main" xmlns:r="http://schemas.openxmlformats.org/officeDocument/2006/relationships" xmlns:p="http://schemas.openxmlformats.org/presentationml/2006/main">
+  <p:cSld>
+    <p:spTree>
+      <p:nvGrpSpPr>
+        <p:cNvPr id="1" name=""/>
+        <p:cNvGrpSpPr/>
+        <p:nvPr/>
+      </p:nvGrpSpPr>
+      <p:grpSpPr>
+        <a:xfrm>
+          <a:off x="0" y="0"/>
+          <a:ext cx="0" cy="0"/>
+          <a:chOff x="0" y="0"/>
+          <a:chExt cx="0" cy="0"/>
+        </a:xfrm>
+      </p:grpSpPr>
+      <p:sp>
+        <p:nvSpPr>
+          <p:cNvPr id="4" name="Slide Number Placeholder 3">
+            <a:extLst>
+              <a:ext uri="{FF2B5EF4-FFF2-40B4-BE49-F238E27FC236}">
+                <a16:creationId xmlns:a16="http://schemas.microsoft.com/office/drawing/2014/main" id="{6C54ABC8-2CE6-CB79-1601-CA3C4B9A30DD}"/>
+              </a:ext>
+            </a:extLst>
+          </p:cNvPr>
+          <p:cNvSpPr>
+            <a:spLocks noGrp="1"/>
+          </p:cNvSpPr>
+          <p:nvPr>
+            <p:ph type="sldNum" sz="quarter" idx="12"/>
+          </p:nvPr>
+        </p:nvSpPr>
+        <p:spPr/>
+        <p:txBody>
+          <a:bodyPr/>
+          <a:lstStyle/>
+          <a:p>
+            <a:fld id="{AE8CC84D-3979-4E46-9A9F-65B7B277FF03}" type="slidenum">
+              <a:rPr lang="en-GB" smtClean="0"/>
+              <a:t>2</a:t>
+            </a:fld>
+            <a:endParaRPr lang="en-GB"/>
+          </a:p>
+        </p:txBody>
+      </p:sp>
+      <p:pic>
+        <p:nvPicPr>
+          <p:cNvPr id="6" name="Picture 5" descr="Graphical user interface, application&#10;&#10;Description automatically generated">
+            <a:extLst>
+              <a:ext uri="{FF2B5EF4-FFF2-40B4-BE49-F238E27FC236}">
+                <a16:creationId xmlns:a16="http://schemas.microsoft.com/office/drawing/2014/main" id="{307008AC-2D28-8EE6-FEF4-004E4CF66286}"/>
+              </a:ext>
+            </a:extLst>
+          </p:cNvPr>
+          <p:cNvPicPr>
+            <a:picLocks noChangeAspect="1"/>
+          </p:cNvPicPr>
+          <p:nvPr/>
+        </p:nvPicPr>
+        <p:blipFill rotWithShape="1">
+          <a:blip r:embed="rId2">
+            <a:extLst>
+              <a:ext uri="{28A0092B-C50C-407E-A947-70E740481C1C}">
+                <a14:useLocalDpi xmlns:a14="http://schemas.microsoft.com/office/drawing/2010/main" val="0"/>
+              </a:ext>
+            </a:extLst>
+          </a:blip>
+          <a:srcRect l="10146" t="-3341" r="8197" b="3341"/>
+          <a:stretch/>
+        </p:blipFill>
+        <p:spPr>
+          <a:xfrm>
+            <a:off x="362339" y="1381767"/>
+            <a:ext cx="11467321" cy="3273719"/>
+          </a:xfrm>
+          <a:prstGeom prst="rect">
+            <a:avLst/>
+          </a:prstGeom>
+        </p:spPr>
+      </p:pic>
+    </p:spTree>
+    <p:extLst>
+      <p:ext uri="{BB962C8B-B14F-4D97-AF65-F5344CB8AC3E}">
+        <p14:creationId xmlns:p14="http://schemas.microsoft.com/office/powerpoint/2010/main" val="3008740330"/>
+      </p:ext>
+    </p:extLst>
+  </p:cSld>
+  <p:clrMapOvr>
+    <a:masterClrMapping/>
+  </p:clrMapOvr>
+</p:sld>
+</file>
+
+<file path=ppt/slides/slide20.xml><?xml version="1.0" encoding="utf-8"?>
 <p:sld xmlns:a="http://schemas.openxmlformats.org/drawingml/2006/main" xmlns:r="http://schemas.openxmlformats.org/officeDocument/2006/relationships" xmlns:p="http://schemas.openxmlformats.org/presentationml/2006/main">
   <p:cSld>
     <p:spTree>
@@ -5501,7 +6118,7 @@
           <a:p>
             <a:fld id="{AE8CC84D-3979-4E46-9A9F-65B7B277FF03}" type="slidenum">
               <a:rPr lang="en-GB" smtClean="0"/>
-              <a:t>17</a:t>
+              <a:t>20</a:t>
             </a:fld>
             <a:endParaRPr lang="en-GB"/>
           </a:p>
@@ -5520,7 +6137,7 @@
 </p:sld>
 </file>
 
-<file path=ppt/slides/slide18.xml><?xml version="1.0" encoding="utf-8"?>
+<file path=ppt/slides/slide21.xml><?xml version="1.0" encoding="utf-8"?>
 <p:sld xmlns:a="http://schemas.openxmlformats.org/drawingml/2006/main" xmlns:r="http://schemas.openxmlformats.org/officeDocument/2006/relationships" xmlns:p="http://schemas.openxmlformats.org/presentationml/2006/main">
   <p:cSld>
     <p:spTree>
@@ -5670,7 +6287,7 @@
           <a:p>
             <a:fld id="{AE8CC84D-3979-4E46-9A9F-65B7B277FF03}" type="slidenum">
               <a:rPr lang="en-GB" smtClean="0"/>
-              <a:t>18</a:t>
+              <a:t>21</a:t>
             </a:fld>
             <a:endParaRPr lang="en-GB"/>
           </a:p>
@@ -5689,7 +6306,237 @@
 </p:sld>
 </file>
 
-<file path=ppt/slides/slide2.xml><?xml version="1.0" encoding="utf-8"?>
+<file path=ppt/slides/slide3.xml><?xml version="1.0" encoding="utf-8"?>
+<p:sld xmlns:a="http://schemas.openxmlformats.org/drawingml/2006/main" xmlns:r="http://schemas.openxmlformats.org/officeDocument/2006/relationships" xmlns:p="http://schemas.openxmlformats.org/presentationml/2006/main">
+  <p:cSld>
+    <p:spTree>
+      <p:nvGrpSpPr>
+        <p:cNvPr id="1" name=""/>
+        <p:cNvGrpSpPr/>
+        <p:nvPr/>
+      </p:nvGrpSpPr>
+      <p:grpSpPr>
+        <a:xfrm>
+          <a:off x="0" y="0"/>
+          <a:ext cx="0" cy="0"/>
+          <a:chOff x="0" y="0"/>
+          <a:chExt cx="0" cy="0"/>
+        </a:xfrm>
+      </p:grpSpPr>
+      <p:sp>
+        <p:nvSpPr>
+          <p:cNvPr id="4" name="Slide Number Placeholder 3">
+            <a:extLst>
+              <a:ext uri="{FF2B5EF4-FFF2-40B4-BE49-F238E27FC236}">
+                <a16:creationId xmlns:a16="http://schemas.microsoft.com/office/drawing/2014/main" id="{A009FA69-61A7-CE27-19E8-7F383D865FBE}"/>
+              </a:ext>
+            </a:extLst>
+          </p:cNvPr>
+          <p:cNvSpPr>
+            <a:spLocks noGrp="1"/>
+          </p:cNvSpPr>
+          <p:nvPr>
+            <p:ph type="sldNum" sz="quarter" idx="12"/>
+          </p:nvPr>
+        </p:nvSpPr>
+        <p:spPr/>
+        <p:txBody>
+          <a:bodyPr/>
+          <a:lstStyle/>
+          <a:p>
+            <a:fld id="{AE8CC84D-3979-4E46-9A9F-65B7B277FF03}" type="slidenum">
+              <a:rPr lang="en-GB" smtClean="0"/>
+              <a:t>3</a:t>
+            </a:fld>
+            <a:endParaRPr lang="en-GB"/>
+          </a:p>
+        </p:txBody>
+      </p:sp>
+      <p:pic>
+        <p:nvPicPr>
+          <p:cNvPr id="10" name="Content Placeholder 9" descr="Graphical user interface, application&#10;&#10;Description automatically generated">
+            <a:extLst>
+              <a:ext uri="{FF2B5EF4-FFF2-40B4-BE49-F238E27FC236}">
+                <a16:creationId xmlns:a16="http://schemas.microsoft.com/office/drawing/2014/main" id="{3539E301-92D6-7D5A-A0D7-050E407768D6}"/>
+              </a:ext>
+            </a:extLst>
+          </p:cNvPr>
+          <p:cNvPicPr>
+            <a:picLocks noGrp="1" noChangeAspect="1"/>
+          </p:cNvPicPr>
+          <p:nvPr>
+            <p:ph idx="1"/>
+          </p:nvPr>
+        </p:nvPicPr>
+        <p:blipFill rotWithShape="1">
+          <a:blip r:embed="rId2">
+            <a:extLst>
+              <a:ext uri="{28A0092B-C50C-407E-A947-70E740481C1C}">
+                <a14:useLocalDpi xmlns:a14="http://schemas.microsoft.com/office/drawing/2010/main" val="0"/>
+              </a:ext>
+            </a:extLst>
+          </a:blip>
+          <a:srcRect l="9047" r="9524" b="-6799"/>
+          <a:stretch/>
+        </p:blipFill>
+        <p:spPr>
+          <a:xfrm>
+            <a:off x="175492" y="1487055"/>
+            <a:ext cx="11388436" cy="3482107"/>
+          </a:xfrm>
+        </p:spPr>
+      </p:pic>
+    </p:spTree>
+    <p:extLst>
+      <p:ext uri="{BB962C8B-B14F-4D97-AF65-F5344CB8AC3E}">
+        <p14:creationId xmlns:p14="http://schemas.microsoft.com/office/powerpoint/2010/main" val="101445451"/>
+      </p:ext>
+    </p:extLst>
+  </p:cSld>
+  <p:clrMapOvr>
+    <a:masterClrMapping/>
+  </p:clrMapOvr>
+</p:sld>
+</file>
+
+<file path=ppt/slides/slide4.xml><?xml version="1.0" encoding="utf-8"?>
+<p:sld xmlns:a="http://schemas.openxmlformats.org/drawingml/2006/main" xmlns:r="http://schemas.openxmlformats.org/officeDocument/2006/relationships" xmlns:p="http://schemas.openxmlformats.org/presentationml/2006/main">
+  <p:cSld>
+    <p:spTree>
+      <p:nvGrpSpPr>
+        <p:cNvPr id="1" name=""/>
+        <p:cNvGrpSpPr/>
+        <p:nvPr/>
+      </p:nvGrpSpPr>
+      <p:grpSpPr>
+        <a:xfrm>
+          <a:off x="0" y="0"/>
+          <a:ext cx="0" cy="0"/>
+          <a:chOff x="0" y="0"/>
+          <a:chExt cx="0" cy="0"/>
+        </a:xfrm>
+      </p:grpSpPr>
+      <p:sp>
+        <p:nvSpPr>
+          <p:cNvPr id="2" name="Titel 1">
+            <a:extLst>
+              <a:ext uri="{FF2B5EF4-FFF2-40B4-BE49-F238E27FC236}">
+                <a16:creationId xmlns:a16="http://schemas.microsoft.com/office/drawing/2014/main" id="{DF88A9EC-F2B0-743C-EE40-A6DE130B48A2}"/>
+              </a:ext>
+            </a:extLst>
+          </p:cNvPr>
+          <p:cNvSpPr>
+            <a:spLocks noGrp="1"/>
+          </p:cNvSpPr>
+          <p:nvPr>
+            <p:ph type="ctrTitle"/>
+          </p:nvPr>
+        </p:nvSpPr>
+        <p:spPr/>
+        <p:txBody>
+          <a:bodyPr>
+            <a:normAutofit/>
+          </a:bodyPr>
+          <a:lstStyle/>
+          <a:p>
+            <a:r>
+              <a:rPr lang="de-DE" sz="6600" b="1" dirty="0"/>
+              <a:t>WP2</a:t>
+            </a:r>
+            <a:endParaRPr lang="en-GB" sz="6600" b="1" dirty="0"/>
+          </a:p>
+        </p:txBody>
+      </p:sp>
+      <p:sp>
+        <p:nvSpPr>
+          <p:cNvPr id="3" name="Untertitel 2">
+            <a:extLst>
+              <a:ext uri="{FF2B5EF4-FFF2-40B4-BE49-F238E27FC236}">
+                <a16:creationId xmlns:a16="http://schemas.microsoft.com/office/drawing/2014/main" id="{246A3BEA-9631-4666-3BE7-26CD340FC75E}"/>
+              </a:ext>
+            </a:extLst>
+          </p:cNvPr>
+          <p:cNvSpPr>
+            <a:spLocks noGrp="1"/>
+          </p:cNvSpPr>
+          <p:nvPr>
+            <p:ph type="subTitle" idx="1"/>
+          </p:nvPr>
+        </p:nvSpPr>
+        <p:spPr/>
+        <p:txBody>
+          <a:bodyPr>
+            <a:normAutofit/>
+          </a:bodyPr>
+          <a:lstStyle/>
+          <a:p>
+            <a:r>
+              <a:rPr lang="de-DE" sz="2800" dirty="0" err="1"/>
+              <a:t>Optimization</a:t>
+            </a:r>
+            <a:r>
+              <a:rPr lang="de-DE" sz="2800" dirty="0"/>
+              <a:t> </a:t>
+            </a:r>
+            <a:r>
+              <a:rPr lang="de-DE" sz="2800" dirty="0" err="1"/>
+              <a:t>with</a:t>
+            </a:r>
+            <a:r>
+              <a:rPr lang="de-DE" sz="2800" dirty="0"/>
+              <a:t> </a:t>
+            </a:r>
+            <a:r>
+              <a:rPr lang="de-DE" sz="2800" dirty="0" err="1"/>
+              <a:t>Gurobi</a:t>
+            </a:r>
+            <a:endParaRPr lang="en-GB" sz="2800" dirty="0"/>
+          </a:p>
+        </p:txBody>
+      </p:sp>
+      <p:sp>
+        <p:nvSpPr>
+          <p:cNvPr id="4" name="Foliennummernplatzhalter 3">
+            <a:extLst>
+              <a:ext uri="{FF2B5EF4-FFF2-40B4-BE49-F238E27FC236}">
+                <a16:creationId xmlns:a16="http://schemas.microsoft.com/office/drawing/2014/main" id="{64500A80-1C14-0408-22B3-068FF45E0299}"/>
+              </a:ext>
+            </a:extLst>
+          </p:cNvPr>
+          <p:cNvSpPr>
+            <a:spLocks noGrp="1"/>
+          </p:cNvSpPr>
+          <p:nvPr>
+            <p:ph type="sldNum" sz="quarter" idx="12"/>
+          </p:nvPr>
+        </p:nvSpPr>
+        <p:spPr/>
+        <p:txBody>
+          <a:bodyPr/>
+          <a:lstStyle/>
+          <a:p>
+            <a:fld id="{AE8CC84D-3979-4E46-9A9F-65B7B277FF03}" type="slidenum">
+              <a:rPr lang="en-GB" smtClean="0"/>
+              <a:t>4</a:t>
+            </a:fld>
+            <a:endParaRPr lang="en-GB"/>
+          </a:p>
+        </p:txBody>
+      </p:sp>
+    </p:spTree>
+    <p:extLst>
+      <p:ext uri="{BB962C8B-B14F-4D97-AF65-F5344CB8AC3E}">
+        <p14:creationId xmlns:p14="http://schemas.microsoft.com/office/powerpoint/2010/main" val="1032078832"/>
+      </p:ext>
+    </p:extLst>
+  </p:cSld>
+  <p:clrMapOvr>
+    <a:masterClrMapping/>
+  </p:clrMapOvr>
+</p:sld>
+</file>
+
+<file path=ppt/slides/slide5.xml><?xml version="1.0" encoding="utf-8"?>
 <p:sld xmlns:a="http://schemas.openxmlformats.org/drawingml/2006/main" xmlns:r="http://schemas.openxmlformats.org/officeDocument/2006/relationships" xmlns:p="http://schemas.openxmlformats.org/presentationml/2006/main">
   <p:cSld>
     <p:spTree>
@@ -6273,7 +7120,7 @@
           <a:p>
             <a:fld id="{AE8CC84D-3979-4E46-9A9F-65B7B277FF03}" type="slidenum">
               <a:rPr lang="en-GB" smtClean="0"/>
-              <a:t>2</a:t>
+              <a:t>5</a:t>
             </a:fld>
             <a:endParaRPr lang="en-GB"/>
           </a:p>
@@ -6384,441 +7231,6 @@
     <p:extLst>
       <p:ext uri="{BB962C8B-B14F-4D97-AF65-F5344CB8AC3E}">
         <p14:creationId xmlns:p14="http://schemas.microsoft.com/office/powerpoint/2010/main" val="3764244219"/>
-      </p:ext>
-    </p:extLst>
-  </p:cSld>
-  <p:clrMapOvr>
-    <a:masterClrMapping/>
-  </p:clrMapOvr>
-</p:sld>
-</file>
-
-<file path=ppt/slides/slide3.xml><?xml version="1.0" encoding="utf-8"?>
-<p:sld xmlns:a="http://schemas.openxmlformats.org/drawingml/2006/main" xmlns:r="http://schemas.openxmlformats.org/officeDocument/2006/relationships" xmlns:p="http://schemas.openxmlformats.org/presentationml/2006/main">
-  <p:cSld>
-    <p:spTree>
-      <p:nvGrpSpPr>
-        <p:cNvPr id="1" name=""/>
-        <p:cNvGrpSpPr/>
-        <p:nvPr/>
-      </p:nvGrpSpPr>
-      <p:grpSpPr>
-        <a:xfrm>
-          <a:off x="0" y="0"/>
-          <a:ext cx="0" cy="0"/>
-          <a:chOff x="0" y="0"/>
-          <a:chExt cx="0" cy="0"/>
-        </a:xfrm>
-      </p:grpSpPr>
-      <p:pic>
-        <p:nvPicPr>
-          <p:cNvPr id="4" name="Inhaltsplatzhalter 3">
-            <a:extLst>
-              <a:ext uri="{FF2B5EF4-FFF2-40B4-BE49-F238E27FC236}">
-                <a16:creationId xmlns:a16="http://schemas.microsoft.com/office/drawing/2014/main" id="{D4660FC4-52D6-13AF-4EB3-8DD2D3582D5D}"/>
-              </a:ext>
-            </a:extLst>
-          </p:cNvPr>
-          <p:cNvPicPr>
-            <a:picLocks noGrp="1" noChangeAspect="1"/>
-          </p:cNvPicPr>
-          <p:nvPr>
-            <p:ph idx="1"/>
-          </p:nvPr>
-        </p:nvPicPr>
-        <p:blipFill>
-          <a:blip r:embed="rId2"/>
-          <a:stretch>
-            <a:fillRect/>
-          </a:stretch>
-        </p:blipFill>
-        <p:spPr>
-          <a:xfrm>
-            <a:off x="133873" y="1465267"/>
-            <a:ext cx="11710977" cy="4525958"/>
-          </a:xfrm>
-          <a:prstGeom prst="rect">
-            <a:avLst/>
-          </a:prstGeom>
-        </p:spPr>
-      </p:pic>
-      <p:sp>
-        <p:nvSpPr>
-          <p:cNvPr id="5" name="Textfeld 4">
-            <a:extLst>
-              <a:ext uri="{FF2B5EF4-FFF2-40B4-BE49-F238E27FC236}">
-                <a16:creationId xmlns:a16="http://schemas.microsoft.com/office/drawing/2014/main" id="{F8F0C676-04E0-F709-A103-44FA32F5A6A1}"/>
-              </a:ext>
-            </a:extLst>
-          </p:cNvPr>
-          <p:cNvSpPr txBox="1"/>
-          <p:nvPr/>
-        </p:nvSpPr>
-        <p:spPr>
-          <a:xfrm>
-            <a:off x="552450" y="543609"/>
-            <a:ext cx="3107646" cy="646331"/>
-          </a:xfrm>
-          <a:prstGeom prst="rect">
-            <a:avLst/>
-          </a:prstGeom>
-          <a:noFill/>
-        </p:spPr>
-        <p:txBody>
-          <a:bodyPr wrap="none" rtlCol="0">
-            <a:spAutoFit/>
-          </a:bodyPr>
-          <a:lstStyle/>
-          <a:p>
-            <a:pPr marL="285750" indent="-285750">
-              <a:buFont typeface="Arial" panose="020B0604020202020204" pitchFamily="34" charset="0"/>
-              <a:buChar char="•"/>
-            </a:pPr>
-            <a:r>
-              <a:rPr lang="de-DE" dirty="0" err="1"/>
-              <a:t>Sensitivity</a:t>
-            </a:r>
-            <a:r>
-              <a:rPr lang="de-DE" dirty="0"/>
-              <a:t> and Precision</a:t>
-            </a:r>
-          </a:p>
-          <a:p>
-            <a:pPr marL="285750" indent="-285750">
-              <a:buFont typeface="Arial" panose="020B0604020202020204" pitchFamily="34" charset="0"/>
-              <a:buChar char="•"/>
-            </a:pPr>
-            <a:r>
-              <a:rPr lang="de-DE" dirty="0" err="1"/>
-              <a:t>Without</a:t>
-            </a:r>
-            <a:r>
-              <a:rPr lang="de-DE" dirty="0"/>
-              <a:t> </a:t>
-            </a:r>
-            <a:r>
-              <a:rPr lang="de-DE" dirty="0" err="1"/>
-              <a:t>sparsity</a:t>
-            </a:r>
-            <a:r>
-              <a:rPr lang="de-DE" dirty="0"/>
-              <a:t> </a:t>
-            </a:r>
-            <a:r>
-              <a:rPr lang="de-DE" dirty="0" err="1"/>
-              <a:t>constraints</a:t>
-            </a:r>
-            <a:endParaRPr lang="en-GB" dirty="0"/>
-          </a:p>
-        </p:txBody>
-      </p:sp>
-      <p:sp>
-        <p:nvSpPr>
-          <p:cNvPr id="6" name="Foliennummernplatzhalter 5">
-            <a:extLst>
-              <a:ext uri="{FF2B5EF4-FFF2-40B4-BE49-F238E27FC236}">
-                <a16:creationId xmlns:a16="http://schemas.microsoft.com/office/drawing/2014/main" id="{0E144FDE-23AF-DF78-0324-EFDDDD0E0B9D}"/>
-              </a:ext>
-            </a:extLst>
-          </p:cNvPr>
-          <p:cNvSpPr>
-            <a:spLocks noGrp="1"/>
-          </p:cNvSpPr>
-          <p:nvPr>
-            <p:ph type="sldNum" sz="quarter" idx="12"/>
-          </p:nvPr>
-        </p:nvSpPr>
-        <p:spPr/>
-        <p:txBody>
-          <a:bodyPr/>
-          <a:lstStyle/>
-          <a:p>
-            <a:fld id="{AE8CC84D-3979-4E46-9A9F-65B7B277FF03}" type="slidenum">
-              <a:rPr lang="en-GB" smtClean="0"/>
-              <a:t>3</a:t>
-            </a:fld>
-            <a:endParaRPr lang="en-GB"/>
-          </a:p>
-        </p:txBody>
-      </p:sp>
-    </p:spTree>
-    <p:extLst>
-      <p:ext uri="{BB962C8B-B14F-4D97-AF65-F5344CB8AC3E}">
-        <p14:creationId xmlns:p14="http://schemas.microsoft.com/office/powerpoint/2010/main" val="1130248023"/>
-      </p:ext>
-    </p:extLst>
-  </p:cSld>
-  <p:clrMapOvr>
-    <a:masterClrMapping/>
-  </p:clrMapOvr>
-</p:sld>
-</file>
-
-<file path=ppt/slides/slide4.xml><?xml version="1.0" encoding="utf-8"?>
-<p:sld xmlns:a="http://schemas.openxmlformats.org/drawingml/2006/main" xmlns:r="http://schemas.openxmlformats.org/officeDocument/2006/relationships" xmlns:p="http://schemas.openxmlformats.org/presentationml/2006/main">
-  <p:cSld>
-    <p:spTree>
-      <p:nvGrpSpPr>
-        <p:cNvPr id="1" name=""/>
-        <p:cNvGrpSpPr/>
-        <p:nvPr/>
-      </p:nvGrpSpPr>
-      <p:grpSpPr>
-        <a:xfrm>
-          <a:off x="0" y="0"/>
-          <a:ext cx="0" cy="0"/>
-          <a:chOff x="0" y="0"/>
-          <a:chExt cx="0" cy="0"/>
-        </a:xfrm>
-      </p:grpSpPr>
-      <p:pic>
-        <p:nvPicPr>
-          <p:cNvPr id="7" name="Inhaltsplatzhalter 6">
-            <a:extLst>
-              <a:ext uri="{FF2B5EF4-FFF2-40B4-BE49-F238E27FC236}">
-                <a16:creationId xmlns:a16="http://schemas.microsoft.com/office/drawing/2014/main" id="{15DAE2CD-9C81-28F4-348C-D0F391FEE9C7}"/>
-              </a:ext>
-            </a:extLst>
-          </p:cNvPr>
-          <p:cNvPicPr>
-            <a:picLocks noGrp="1" noChangeAspect="1"/>
-          </p:cNvPicPr>
-          <p:nvPr>
-            <p:ph idx="1"/>
-          </p:nvPr>
-        </p:nvPicPr>
-        <p:blipFill>
-          <a:blip r:embed="rId2"/>
-          <a:stretch>
-            <a:fillRect/>
-          </a:stretch>
-        </p:blipFill>
-        <p:spPr>
-          <a:xfrm>
-            <a:off x="291703" y="1320145"/>
-            <a:ext cx="11608594" cy="5242900"/>
-          </a:xfrm>
-          <a:prstGeom prst="rect">
-            <a:avLst/>
-          </a:prstGeom>
-        </p:spPr>
-      </p:pic>
-      <p:sp>
-        <p:nvSpPr>
-          <p:cNvPr id="10" name="Foliennummernplatzhalter 9">
-            <a:extLst>
-              <a:ext uri="{FF2B5EF4-FFF2-40B4-BE49-F238E27FC236}">
-                <a16:creationId xmlns:a16="http://schemas.microsoft.com/office/drawing/2014/main" id="{62ED0836-9843-E2F3-CAD2-5AE7304C7B6B}"/>
-              </a:ext>
-            </a:extLst>
-          </p:cNvPr>
-          <p:cNvSpPr>
-            <a:spLocks noGrp="1"/>
-          </p:cNvSpPr>
-          <p:nvPr>
-            <p:ph type="sldNum" sz="quarter" idx="12"/>
-          </p:nvPr>
-        </p:nvSpPr>
-        <p:spPr/>
-        <p:txBody>
-          <a:bodyPr/>
-          <a:lstStyle/>
-          <a:p>
-            <a:fld id="{AE8CC84D-3979-4E46-9A9F-65B7B277FF03}" type="slidenum">
-              <a:rPr lang="en-GB" smtClean="0"/>
-              <a:t>4</a:t>
-            </a:fld>
-            <a:endParaRPr lang="en-GB"/>
-          </a:p>
-        </p:txBody>
-      </p:sp>
-      <p:sp>
-        <p:nvSpPr>
-          <p:cNvPr id="12" name="Textfeld 11">
-            <a:extLst>
-              <a:ext uri="{FF2B5EF4-FFF2-40B4-BE49-F238E27FC236}">
-                <a16:creationId xmlns:a16="http://schemas.microsoft.com/office/drawing/2014/main" id="{F6CA4D37-2015-9905-2918-82B8C01FF8FF}"/>
-              </a:ext>
-            </a:extLst>
-          </p:cNvPr>
-          <p:cNvSpPr txBox="1"/>
-          <p:nvPr/>
-        </p:nvSpPr>
-        <p:spPr>
-          <a:xfrm>
-            <a:off x="552450" y="391209"/>
-            <a:ext cx="2787045" cy="646331"/>
-          </a:xfrm>
-          <a:prstGeom prst="rect">
-            <a:avLst/>
-          </a:prstGeom>
-          <a:noFill/>
-        </p:spPr>
-        <p:txBody>
-          <a:bodyPr wrap="none" rtlCol="0">
-            <a:spAutoFit/>
-          </a:bodyPr>
-          <a:lstStyle/>
-          <a:p>
-            <a:pPr marL="285750" indent="-285750">
-              <a:buFont typeface="Arial" panose="020B0604020202020204" pitchFamily="34" charset="0"/>
-              <a:buChar char="•"/>
-            </a:pPr>
-            <a:r>
-              <a:rPr lang="de-DE" dirty="0" err="1"/>
-              <a:t>Sensitivity</a:t>
-            </a:r>
-            <a:r>
-              <a:rPr lang="de-DE" dirty="0"/>
-              <a:t> and Precision</a:t>
-            </a:r>
-          </a:p>
-          <a:p>
-            <a:pPr marL="285750" indent="-285750">
-              <a:buFont typeface="Arial" panose="020B0604020202020204" pitchFamily="34" charset="0"/>
-              <a:buChar char="•"/>
-            </a:pPr>
-            <a:r>
-              <a:rPr lang="de-DE" dirty="0" err="1"/>
-              <a:t>With</a:t>
-            </a:r>
-            <a:r>
-              <a:rPr lang="de-DE" dirty="0"/>
-              <a:t> </a:t>
-            </a:r>
-            <a:r>
-              <a:rPr lang="de-DE" dirty="0" err="1"/>
-              <a:t>sparsity</a:t>
-            </a:r>
-            <a:r>
-              <a:rPr lang="de-DE" dirty="0"/>
-              <a:t> </a:t>
-            </a:r>
-            <a:r>
-              <a:rPr lang="de-DE" dirty="0" err="1"/>
-              <a:t>constraints</a:t>
-            </a:r>
-            <a:endParaRPr lang="en-GB" dirty="0"/>
-          </a:p>
-        </p:txBody>
-      </p:sp>
-    </p:spTree>
-    <p:extLst>
-      <p:ext uri="{BB962C8B-B14F-4D97-AF65-F5344CB8AC3E}">
-        <p14:creationId xmlns:p14="http://schemas.microsoft.com/office/powerpoint/2010/main" val="2307621938"/>
-      </p:ext>
-    </p:extLst>
-  </p:cSld>
-  <p:clrMapOvr>
-    <a:masterClrMapping/>
-  </p:clrMapOvr>
-</p:sld>
-</file>
-
-<file path=ppt/slides/slide5.xml><?xml version="1.0" encoding="utf-8"?>
-<p:sld xmlns:a="http://schemas.openxmlformats.org/drawingml/2006/main" xmlns:r="http://schemas.openxmlformats.org/officeDocument/2006/relationships" xmlns:p="http://schemas.openxmlformats.org/presentationml/2006/main">
-  <p:cSld>
-    <p:spTree>
-      <p:nvGrpSpPr>
-        <p:cNvPr id="1" name=""/>
-        <p:cNvGrpSpPr/>
-        <p:nvPr/>
-      </p:nvGrpSpPr>
-      <p:grpSpPr>
-        <a:xfrm>
-          <a:off x="0" y="0"/>
-          <a:ext cx="0" cy="0"/>
-          <a:chOff x="0" y="0"/>
-          <a:chExt cx="0" cy="0"/>
-        </a:xfrm>
-      </p:grpSpPr>
-      <p:sp>
-        <p:nvSpPr>
-          <p:cNvPr id="2" name="Titel 1">
-            <a:extLst>
-              <a:ext uri="{FF2B5EF4-FFF2-40B4-BE49-F238E27FC236}">
-                <a16:creationId xmlns:a16="http://schemas.microsoft.com/office/drawing/2014/main" id="{BE250D6E-6329-FB52-CDBA-B04B4BA88A84}"/>
-              </a:ext>
-            </a:extLst>
-          </p:cNvPr>
-          <p:cNvSpPr>
-            <a:spLocks noGrp="1"/>
-          </p:cNvSpPr>
-          <p:nvPr>
-            <p:ph type="ctrTitle"/>
-          </p:nvPr>
-        </p:nvSpPr>
-        <p:spPr/>
-        <p:txBody>
-          <a:bodyPr/>
-          <a:lstStyle/>
-          <a:p>
-            <a:r>
-              <a:rPr lang="de-DE" dirty="0"/>
-              <a:t>WP2 - Anhang</a:t>
-            </a:r>
-            <a:endParaRPr lang="en-GB" dirty="0"/>
-          </a:p>
-        </p:txBody>
-      </p:sp>
-      <p:sp>
-        <p:nvSpPr>
-          <p:cNvPr id="3" name="Untertitel 2">
-            <a:extLst>
-              <a:ext uri="{FF2B5EF4-FFF2-40B4-BE49-F238E27FC236}">
-                <a16:creationId xmlns:a16="http://schemas.microsoft.com/office/drawing/2014/main" id="{471839D1-8683-7D28-1DE3-3F22EABDF9A3}"/>
-              </a:ext>
-            </a:extLst>
-          </p:cNvPr>
-          <p:cNvSpPr>
-            <a:spLocks noGrp="1"/>
-          </p:cNvSpPr>
-          <p:nvPr>
-            <p:ph type="subTitle" idx="1"/>
-          </p:nvPr>
-        </p:nvSpPr>
-        <p:spPr/>
-        <p:txBody>
-          <a:bodyPr/>
-          <a:lstStyle/>
-          <a:p>
-            <a:endParaRPr lang="en-GB"/>
-          </a:p>
-        </p:txBody>
-      </p:sp>
-      <p:sp>
-        <p:nvSpPr>
-          <p:cNvPr id="4" name="Foliennummernplatzhalter 3">
-            <a:extLst>
-              <a:ext uri="{FF2B5EF4-FFF2-40B4-BE49-F238E27FC236}">
-                <a16:creationId xmlns:a16="http://schemas.microsoft.com/office/drawing/2014/main" id="{37597C88-18CA-5B79-868B-08DFAE751897}"/>
-              </a:ext>
-            </a:extLst>
-          </p:cNvPr>
-          <p:cNvSpPr>
-            <a:spLocks noGrp="1"/>
-          </p:cNvSpPr>
-          <p:nvPr>
-            <p:ph type="sldNum" sz="quarter" idx="12"/>
-          </p:nvPr>
-        </p:nvSpPr>
-        <p:spPr/>
-        <p:txBody>
-          <a:bodyPr/>
-          <a:lstStyle/>
-          <a:p>
-            <a:fld id="{AE8CC84D-3979-4E46-9A9F-65B7B277FF03}" type="slidenum">
-              <a:rPr lang="en-GB" smtClean="0"/>
-              <a:t>5</a:t>
-            </a:fld>
-            <a:endParaRPr lang="en-GB"/>
-          </a:p>
-        </p:txBody>
-      </p:sp>
-    </p:spTree>
-    <p:extLst>
-      <p:ext uri="{BB962C8B-B14F-4D97-AF65-F5344CB8AC3E}">
-        <p14:creationId xmlns:p14="http://schemas.microsoft.com/office/powerpoint/2010/main" val="2401123035"/>
       </p:ext>
     </p:extLst>
   </p:cSld>
@@ -6845,106 +7257,21 @@
           <a:chExt cx="0" cy="0"/>
         </a:xfrm>
       </p:grpSpPr>
-      <p:sp>
-        <p:nvSpPr>
-          <p:cNvPr id="10" name="Textfeld 9">
-            <a:extLst>
-              <a:ext uri="{FF2B5EF4-FFF2-40B4-BE49-F238E27FC236}">
-                <a16:creationId xmlns:a16="http://schemas.microsoft.com/office/drawing/2014/main" id="{6F921143-7608-8F9B-1D3D-73943D3D01D8}"/>
-              </a:ext>
-            </a:extLst>
-          </p:cNvPr>
-          <p:cNvSpPr txBox="1"/>
-          <p:nvPr/>
-        </p:nvSpPr>
-        <p:spPr>
-          <a:xfrm>
-            <a:off x="737358" y="644561"/>
-            <a:ext cx="3107646" cy="646331"/>
-          </a:xfrm>
-          <a:prstGeom prst="rect">
-            <a:avLst/>
-          </a:prstGeom>
-          <a:noFill/>
-        </p:spPr>
-        <p:txBody>
-          <a:bodyPr wrap="none" rtlCol="0">
-            <a:spAutoFit/>
-          </a:bodyPr>
-          <a:lstStyle/>
-          <a:p>
-            <a:pPr marL="285750" indent="-285750">
-              <a:buFont typeface="Arial" panose="020B0604020202020204" pitchFamily="34" charset="0"/>
-              <a:buChar char="•"/>
-            </a:pPr>
-            <a:r>
-              <a:rPr lang="de-DE" dirty="0"/>
-              <a:t>Total </a:t>
-            </a:r>
-            <a:r>
-              <a:rPr lang="de-DE" dirty="0" err="1"/>
-              <a:t>number</a:t>
-            </a:r>
-            <a:r>
-              <a:rPr lang="de-DE" dirty="0"/>
-              <a:t> </a:t>
-            </a:r>
-            <a:r>
-              <a:rPr lang="de-DE" dirty="0" err="1"/>
-              <a:t>of</a:t>
-            </a:r>
-            <a:r>
-              <a:rPr lang="de-DE" dirty="0"/>
-              <a:t> </a:t>
-            </a:r>
-            <a:r>
-              <a:rPr lang="de-DE" dirty="0" err="1"/>
-              <a:t>transcripts</a:t>
-            </a:r>
-            <a:endParaRPr lang="de-DE" dirty="0"/>
-          </a:p>
-          <a:p>
-            <a:pPr marL="285750" indent="-285750">
-              <a:buFont typeface="Arial" panose="020B0604020202020204" pitchFamily="34" charset="0"/>
-              <a:buChar char="•"/>
-            </a:pPr>
-            <a:r>
-              <a:rPr lang="de-DE" dirty="0" err="1"/>
-              <a:t>Without</a:t>
-            </a:r>
-            <a:r>
-              <a:rPr lang="de-DE" dirty="0"/>
-              <a:t> </a:t>
-            </a:r>
-            <a:r>
-              <a:rPr lang="de-DE" dirty="0" err="1"/>
-              <a:t>sparsity</a:t>
-            </a:r>
-            <a:r>
-              <a:rPr lang="de-DE" dirty="0"/>
-              <a:t> </a:t>
-            </a:r>
-            <a:r>
-              <a:rPr lang="de-DE" dirty="0" err="1"/>
-              <a:t>constraints</a:t>
-            </a:r>
-            <a:endParaRPr lang="de-DE" dirty="0"/>
-          </a:p>
-        </p:txBody>
-      </p:sp>
       <p:pic>
         <p:nvPicPr>
-          <p:cNvPr id="5" name="Grafik 4">
-            <a:extLst>
-              <a:ext uri="{FF2B5EF4-FFF2-40B4-BE49-F238E27FC236}">
-                <a16:creationId xmlns:a16="http://schemas.microsoft.com/office/drawing/2014/main" id="{A87297A1-AC6C-8C14-5DE7-3D12971D277D}"/>
+          <p:cNvPr id="4" name="Inhaltsplatzhalter 3">
+            <a:extLst>
+              <a:ext uri="{FF2B5EF4-FFF2-40B4-BE49-F238E27FC236}">
+                <a16:creationId xmlns:a16="http://schemas.microsoft.com/office/drawing/2014/main" id="{D4660FC4-52D6-13AF-4EB3-8DD2D3582D5D}"/>
               </a:ext>
             </a:extLst>
           </p:cNvPr>
           <p:cNvPicPr>
-            <a:picLocks noChangeAspect="1"/>
+            <a:picLocks noGrp="1" noChangeAspect="1"/>
           </p:cNvPicPr>
-          <p:nvPr/>
+          <p:nvPr>
+            <p:ph idx="1"/>
+          </p:nvPr>
         </p:nvPicPr>
         <p:blipFill>
           <a:blip r:embed="rId2"/>
@@ -6954,8 +7281,8 @@
         </p:blipFill>
         <p:spPr>
           <a:xfrm>
-            <a:off x="223871" y="1721185"/>
-            <a:ext cx="11844304" cy="4492254"/>
+            <a:off x="133873" y="1465267"/>
+            <a:ext cx="11710977" cy="4525958"/>
           </a:xfrm>
           <a:prstGeom prst="rect">
             <a:avLst/>
@@ -6964,10 +7291,80 @@
       </p:pic>
       <p:sp>
         <p:nvSpPr>
+          <p:cNvPr id="5" name="Textfeld 4">
+            <a:extLst>
+              <a:ext uri="{FF2B5EF4-FFF2-40B4-BE49-F238E27FC236}">
+                <a16:creationId xmlns:a16="http://schemas.microsoft.com/office/drawing/2014/main" id="{F8F0C676-04E0-F709-A103-44FA32F5A6A1}"/>
+              </a:ext>
+            </a:extLst>
+          </p:cNvPr>
+          <p:cNvSpPr txBox="1"/>
+          <p:nvPr/>
+        </p:nvSpPr>
+        <p:spPr>
+          <a:xfrm>
+            <a:off x="552450" y="543609"/>
+            <a:ext cx="3107646" cy="646331"/>
+          </a:xfrm>
+          <a:prstGeom prst="rect">
+            <a:avLst/>
+          </a:prstGeom>
+          <a:noFill/>
+        </p:spPr>
+        <p:txBody>
+          <a:bodyPr wrap="none" rtlCol="0">
+            <a:spAutoFit/>
+          </a:bodyPr>
+          <a:lstStyle/>
+          <a:p>
+            <a:pPr marL="285750" indent="-285750">
+              <a:buFont typeface="Arial" panose="020B0604020202020204" pitchFamily="34" charset="0"/>
+              <a:buChar char="•"/>
+            </a:pPr>
+            <a:r>
+              <a:rPr lang="de-DE" dirty="0" err="1"/>
+              <a:t>Sensitivity</a:t>
+            </a:r>
+            <a:r>
+              <a:rPr lang="de-DE" dirty="0"/>
+              <a:t> and Precision</a:t>
+            </a:r>
+          </a:p>
+          <a:p>
+            <a:pPr marL="285750" indent="-285750">
+              <a:buFont typeface="Arial" panose="020B0604020202020204" pitchFamily="34" charset="0"/>
+              <a:buChar char="•"/>
+            </a:pPr>
+            <a:r>
+              <a:rPr lang="de-DE" dirty="0" err="1"/>
+              <a:t>Without</a:t>
+            </a:r>
+            <a:r>
+              <a:rPr lang="de-DE" dirty="0"/>
+              <a:t> </a:t>
+            </a:r>
+            <a:r>
+              <a:rPr lang="de-DE" dirty="0" err="1"/>
+              <a:t>sparsity</a:t>
+            </a:r>
+            <a:r>
+              <a:rPr lang="de-DE" dirty="0"/>
+              <a:t> </a:t>
+            </a:r>
+            <a:r>
+              <a:rPr lang="de-DE" dirty="0" err="1"/>
+              <a:t>constraints</a:t>
+            </a:r>
+            <a:endParaRPr lang="en-GB" dirty="0"/>
+          </a:p>
+        </p:txBody>
+      </p:sp>
+      <p:sp>
+        <p:nvSpPr>
           <p:cNvPr id="6" name="Foliennummernplatzhalter 5">
             <a:extLst>
               <a:ext uri="{FF2B5EF4-FFF2-40B4-BE49-F238E27FC236}">
-                <a16:creationId xmlns:a16="http://schemas.microsoft.com/office/drawing/2014/main" id="{E561B7CE-2EC2-A760-F3FD-E52E269EF881}"/>
+                <a16:creationId xmlns:a16="http://schemas.microsoft.com/office/drawing/2014/main" id="{0E144FDE-23AF-DF78-0324-EFDDDD0E0B9D}"/>
               </a:ext>
             </a:extLst>
           </p:cNvPr>
@@ -6994,7 +7391,7 @@
     </p:spTree>
     <p:extLst>
       <p:ext uri="{BB962C8B-B14F-4D97-AF65-F5344CB8AC3E}">
-        <p14:creationId xmlns:p14="http://schemas.microsoft.com/office/powerpoint/2010/main" val="2797480772"/>
+        <p14:creationId xmlns:p14="http://schemas.microsoft.com/office/powerpoint/2010/main" val="1130248023"/>
       </p:ext>
     </p:extLst>
   </p:cSld>
@@ -7021,106 +7418,21 @@
           <a:chExt cx="0" cy="0"/>
         </a:xfrm>
       </p:grpSpPr>
-      <p:sp>
-        <p:nvSpPr>
-          <p:cNvPr id="9" name="Textfeld 8">
-            <a:extLst>
-              <a:ext uri="{FF2B5EF4-FFF2-40B4-BE49-F238E27FC236}">
-                <a16:creationId xmlns:a16="http://schemas.microsoft.com/office/drawing/2014/main" id="{623EEABD-6E8F-CB5A-ACE5-10F24B969F4E}"/>
-              </a:ext>
-            </a:extLst>
-          </p:cNvPr>
-          <p:cNvSpPr txBox="1"/>
-          <p:nvPr/>
-        </p:nvSpPr>
-        <p:spPr>
-          <a:xfrm>
-            <a:off x="689733" y="365882"/>
-            <a:ext cx="3013710" cy="646331"/>
-          </a:xfrm>
-          <a:prstGeom prst="rect">
-            <a:avLst/>
-          </a:prstGeom>
-          <a:noFill/>
-        </p:spPr>
-        <p:txBody>
-          <a:bodyPr wrap="none" rtlCol="0">
-            <a:spAutoFit/>
-          </a:bodyPr>
-          <a:lstStyle/>
-          <a:p>
-            <a:pPr marL="285750" indent="-285750">
-              <a:buFont typeface="Arial" panose="020B0604020202020204" pitchFamily="34" charset="0"/>
-              <a:buChar char="•"/>
-            </a:pPr>
-            <a:r>
-              <a:rPr lang="de-DE" dirty="0"/>
-              <a:t>Total </a:t>
-            </a:r>
-            <a:r>
-              <a:rPr lang="de-DE" dirty="0" err="1"/>
-              <a:t>number</a:t>
-            </a:r>
-            <a:r>
-              <a:rPr lang="de-DE" dirty="0"/>
-              <a:t> </a:t>
-            </a:r>
-            <a:r>
-              <a:rPr lang="de-DE" dirty="0" err="1"/>
-              <a:t>of</a:t>
-            </a:r>
-            <a:r>
-              <a:rPr lang="de-DE" dirty="0"/>
-              <a:t> </a:t>
-            </a:r>
-            <a:r>
-              <a:rPr lang="de-DE" dirty="0" err="1"/>
-              <a:t>transcripts</a:t>
-            </a:r>
-            <a:endParaRPr lang="de-DE" dirty="0"/>
-          </a:p>
-          <a:p>
-            <a:pPr marL="285750" indent="-285750">
-              <a:buFont typeface="Arial" panose="020B0604020202020204" pitchFamily="34" charset="0"/>
-              <a:buChar char="•"/>
-            </a:pPr>
-            <a:r>
-              <a:rPr lang="de-DE" dirty="0" err="1"/>
-              <a:t>With</a:t>
-            </a:r>
-            <a:r>
-              <a:rPr lang="de-DE" dirty="0"/>
-              <a:t> </a:t>
-            </a:r>
-            <a:r>
-              <a:rPr lang="de-DE" dirty="0" err="1"/>
-              <a:t>sparsity</a:t>
-            </a:r>
-            <a:r>
-              <a:rPr lang="de-DE" dirty="0"/>
-              <a:t> </a:t>
-            </a:r>
-            <a:r>
-              <a:rPr lang="de-DE" dirty="0" err="1"/>
-              <a:t>constraints</a:t>
-            </a:r>
-            <a:endParaRPr lang="de-DE" dirty="0"/>
-          </a:p>
-        </p:txBody>
-      </p:sp>
       <p:pic>
         <p:nvPicPr>
-          <p:cNvPr id="5" name="Grafik 4">
-            <a:extLst>
-              <a:ext uri="{FF2B5EF4-FFF2-40B4-BE49-F238E27FC236}">
-                <a16:creationId xmlns:a16="http://schemas.microsoft.com/office/drawing/2014/main" id="{8D17BAC8-A529-F7EA-DCB8-B76A9D932C98}"/>
+          <p:cNvPr id="7" name="Inhaltsplatzhalter 6">
+            <a:extLst>
+              <a:ext uri="{FF2B5EF4-FFF2-40B4-BE49-F238E27FC236}">
+                <a16:creationId xmlns:a16="http://schemas.microsoft.com/office/drawing/2014/main" id="{15DAE2CD-9C81-28F4-348C-D0F391FEE9C7}"/>
               </a:ext>
             </a:extLst>
           </p:cNvPr>
           <p:cNvPicPr>
-            <a:picLocks noChangeAspect="1"/>
+            <a:picLocks noGrp="1" noChangeAspect="1"/>
           </p:cNvPicPr>
-          <p:nvPr/>
+          <p:nvPr>
+            <p:ph idx="1"/>
+          </p:nvPr>
         </p:nvPicPr>
         <p:blipFill>
           <a:blip r:embed="rId2"/>
@@ -7130,8 +7442,8 @@
         </p:blipFill>
         <p:spPr>
           <a:xfrm>
-            <a:off x="215140" y="1178465"/>
-            <a:ext cx="11745523" cy="5227928"/>
+            <a:off x="291703" y="1320145"/>
+            <a:ext cx="11608594" cy="5242900"/>
           </a:xfrm>
           <a:prstGeom prst="rect">
             <a:avLst/>
@@ -7140,10 +7452,10 @@
       </p:pic>
       <p:sp>
         <p:nvSpPr>
-          <p:cNvPr id="7" name="Foliennummernplatzhalter 6">
-            <a:extLst>
-              <a:ext uri="{FF2B5EF4-FFF2-40B4-BE49-F238E27FC236}">
-                <a16:creationId xmlns:a16="http://schemas.microsoft.com/office/drawing/2014/main" id="{95BA45F0-035B-4653-B7C6-39EC4064BF9E}"/>
+          <p:cNvPr id="10" name="Foliennummernplatzhalter 9">
+            <a:extLst>
+              <a:ext uri="{FF2B5EF4-FFF2-40B4-BE49-F238E27FC236}">
+                <a16:creationId xmlns:a16="http://schemas.microsoft.com/office/drawing/2014/main" id="{62ED0836-9843-E2F3-CAD2-5AE7304C7B6B}"/>
               </a:ext>
             </a:extLst>
           </p:cNvPr>
@@ -7167,10 +7479,80 @@
           </a:p>
         </p:txBody>
       </p:sp>
+      <p:sp>
+        <p:nvSpPr>
+          <p:cNvPr id="12" name="Textfeld 11">
+            <a:extLst>
+              <a:ext uri="{FF2B5EF4-FFF2-40B4-BE49-F238E27FC236}">
+                <a16:creationId xmlns:a16="http://schemas.microsoft.com/office/drawing/2014/main" id="{F6CA4D37-2015-9905-2918-82B8C01FF8FF}"/>
+              </a:ext>
+            </a:extLst>
+          </p:cNvPr>
+          <p:cNvSpPr txBox="1"/>
+          <p:nvPr/>
+        </p:nvSpPr>
+        <p:spPr>
+          <a:xfrm>
+            <a:off x="552450" y="391209"/>
+            <a:ext cx="2787045" cy="646331"/>
+          </a:xfrm>
+          <a:prstGeom prst="rect">
+            <a:avLst/>
+          </a:prstGeom>
+          <a:noFill/>
+        </p:spPr>
+        <p:txBody>
+          <a:bodyPr wrap="none" rtlCol="0">
+            <a:spAutoFit/>
+          </a:bodyPr>
+          <a:lstStyle/>
+          <a:p>
+            <a:pPr marL="285750" indent="-285750">
+              <a:buFont typeface="Arial" panose="020B0604020202020204" pitchFamily="34" charset="0"/>
+              <a:buChar char="•"/>
+            </a:pPr>
+            <a:r>
+              <a:rPr lang="de-DE" dirty="0" err="1"/>
+              <a:t>Sensitivity</a:t>
+            </a:r>
+            <a:r>
+              <a:rPr lang="de-DE" dirty="0"/>
+              <a:t> and Precision</a:t>
+            </a:r>
+          </a:p>
+          <a:p>
+            <a:pPr marL="285750" indent="-285750">
+              <a:buFont typeface="Arial" panose="020B0604020202020204" pitchFamily="34" charset="0"/>
+              <a:buChar char="•"/>
+            </a:pPr>
+            <a:r>
+              <a:rPr lang="de-DE" dirty="0" err="1"/>
+              <a:t>With</a:t>
+            </a:r>
+            <a:r>
+              <a:rPr lang="de-DE" dirty="0"/>
+              <a:t> </a:t>
+            </a:r>
+            <a:r>
+              <a:rPr lang="de-DE" dirty="0" err="1"/>
+              <a:t>sparsity</a:t>
+            </a:r>
+            <a:r>
+              <a:rPr lang="de-DE" dirty="0"/>
+              <a:t> </a:t>
+            </a:r>
+            <a:r>
+              <a:rPr lang="de-DE" dirty="0" err="1"/>
+              <a:t>constraints</a:t>
+            </a:r>
+            <a:endParaRPr lang="en-GB" dirty="0"/>
+          </a:p>
+        </p:txBody>
+      </p:sp>
     </p:spTree>
     <p:extLst>
       <p:ext uri="{BB962C8B-B14F-4D97-AF65-F5344CB8AC3E}">
-        <p14:creationId xmlns:p14="http://schemas.microsoft.com/office/powerpoint/2010/main" val="1659368466"/>
+        <p14:creationId xmlns:p14="http://schemas.microsoft.com/office/powerpoint/2010/main" val="2307621938"/>
       </p:ext>
     </p:extLst>
   </p:cSld>
@@ -7197,133 +7579,66 @@
           <a:chExt cx="0" cy="0"/>
         </a:xfrm>
       </p:grpSpPr>
-      <p:pic>
-        <p:nvPicPr>
-          <p:cNvPr id="5" name="Grafik 4">
-            <a:extLst>
-              <a:ext uri="{FF2B5EF4-FFF2-40B4-BE49-F238E27FC236}">
-                <a16:creationId xmlns:a16="http://schemas.microsoft.com/office/drawing/2014/main" id="{D458B4DF-E941-BDA1-B46D-1F666F90B795}"/>
-              </a:ext>
-            </a:extLst>
-          </p:cNvPr>
-          <p:cNvPicPr>
-            <a:picLocks noChangeAspect="1"/>
-          </p:cNvPicPr>
-          <p:nvPr/>
-        </p:nvPicPr>
-        <p:blipFill>
-          <a:blip r:embed="rId2"/>
-          <a:stretch>
-            <a:fillRect/>
-          </a:stretch>
-        </p:blipFill>
-        <p:spPr>
-          <a:xfrm>
-            <a:off x="194143" y="1587420"/>
-            <a:ext cx="11803713" cy="4561798"/>
-          </a:xfrm>
-          <a:prstGeom prst="rect">
-            <a:avLst/>
-          </a:prstGeom>
-        </p:spPr>
-      </p:pic>
-      <p:sp>
-        <p:nvSpPr>
-          <p:cNvPr id="6" name="Textfeld 5">
-            <a:extLst>
-              <a:ext uri="{FF2B5EF4-FFF2-40B4-BE49-F238E27FC236}">
-                <a16:creationId xmlns:a16="http://schemas.microsoft.com/office/drawing/2014/main" id="{19DF2B48-193C-2AB0-D41B-180FA59CE6FB}"/>
-              </a:ext>
-            </a:extLst>
-          </p:cNvPr>
-          <p:cNvSpPr txBox="1"/>
-          <p:nvPr/>
-        </p:nvSpPr>
-        <p:spPr>
-          <a:xfrm>
-            <a:off x="756408" y="613532"/>
-            <a:ext cx="3419847" cy="646331"/>
-          </a:xfrm>
-          <a:prstGeom prst="rect">
-            <a:avLst/>
-          </a:prstGeom>
-          <a:noFill/>
-        </p:spPr>
-        <p:txBody>
-          <a:bodyPr wrap="none" rtlCol="0">
-            <a:spAutoFit/>
-          </a:bodyPr>
-          <a:lstStyle/>
-          <a:p>
-            <a:pPr marL="285750" indent="-285750">
-              <a:buFont typeface="Arial" panose="020B0604020202020204" pitchFamily="34" charset="0"/>
-              <a:buChar char="•"/>
-            </a:pPr>
-            <a:r>
-              <a:rPr lang="de-DE" dirty="0" err="1"/>
-              <a:t>Number</a:t>
-            </a:r>
+      <p:sp>
+        <p:nvSpPr>
+          <p:cNvPr id="2" name="Titel 1">
+            <a:extLst>
+              <a:ext uri="{FF2B5EF4-FFF2-40B4-BE49-F238E27FC236}">
+                <a16:creationId xmlns:a16="http://schemas.microsoft.com/office/drawing/2014/main" id="{BE250D6E-6329-FB52-CDBA-B04B4BA88A84}"/>
+              </a:ext>
+            </a:extLst>
+          </p:cNvPr>
+          <p:cNvSpPr>
+            <a:spLocks noGrp="1"/>
+          </p:cNvSpPr>
+          <p:nvPr>
+            <p:ph type="ctrTitle"/>
+          </p:nvPr>
+        </p:nvSpPr>
+        <p:spPr/>
+        <p:txBody>
+          <a:bodyPr/>
+          <a:lstStyle/>
+          <a:p>
             <a:r>
               <a:rPr lang="de-DE" dirty="0"/>
-              <a:t> </a:t>
-            </a:r>
-            <a:r>
-              <a:rPr lang="de-DE" dirty="0" err="1"/>
-              <a:t>of</a:t>
-            </a:r>
-            <a:r>
-              <a:rPr lang="de-DE" dirty="0"/>
-              <a:t> </a:t>
-            </a:r>
-            <a:r>
-              <a:rPr lang="de-DE" dirty="0" err="1"/>
-              <a:t>transcripts</a:t>
-            </a:r>
-            <a:r>
-              <a:rPr lang="de-DE" dirty="0"/>
-              <a:t> per </a:t>
-            </a:r>
-            <a:r>
-              <a:rPr lang="de-DE" dirty="0" err="1"/>
-              <a:t>gene</a:t>
-            </a:r>
-            <a:endParaRPr lang="de-DE" dirty="0"/>
-          </a:p>
-          <a:p>
-            <a:pPr marL="285750" indent="-285750">
-              <a:buFont typeface="Arial" panose="020B0604020202020204" pitchFamily="34" charset="0"/>
-              <a:buChar char="•"/>
-            </a:pPr>
-            <a:r>
-              <a:rPr lang="de-DE" dirty="0" err="1"/>
-              <a:t>Without</a:t>
-            </a:r>
-            <a:r>
-              <a:rPr lang="de-DE" dirty="0"/>
-              <a:t> </a:t>
-            </a:r>
-            <a:r>
-              <a:rPr lang="de-DE" dirty="0" err="1"/>
-              <a:t>sparsity</a:t>
-            </a:r>
-            <a:r>
-              <a:rPr lang="de-DE" dirty="0"/>
-              <a:t> </a:t>
-            </a:r>
-            <a:r>
-              <a:rPr lang="de-DE" dirty="0" err="1"/>
-              <a:t>constraints</a:t>
-            </a:r>
-            <a:endParaRPr lang="de-DE" dirty="0"/>
-          </a:p>
-        </p:txBody>
-      </p:sp>
-      <p:sp>
-        <p:nvSpPr>
-          <p:cNvPr id="8" name="Foliennummernplatzhalter 7">
-            <a:extLst>
-              <a:ext uri="{FF2B5EF4-FFF2-40B4-BE49-F238E27FC236}">
-                <a16:creationId xmlns:a16="http://schemas.microsoft.com/office/drawing/2014/main" id="{3D8E735D-DCC9-2D40-97FD-D919323F522D}"/>
+              <a:t>WP2 - Anhang</a:t>
+            </a:r>
+            <a:endParaRPr lang="en-GB" dirty="0"/>
+          </a:p>
+        </p:txBody>
+      </p:sp>
+      <p:sp>
+        <p:nvSpPr>
+          <p:cNvPr id="3" name="Untertitel 2">
+            <a:extLst>
+              <a:ext uri="{FF2B5EF4-FFF2-40B4-BE49-F238E27FC236}">
+                <a16:creationId xmlns:a16="http://schemas.microsoft.com/office/drawing/2014/main" id="{471839D1-8683-7D28-1DE3-3F22EABDF9A3}"/>
+              </a:ext>
+            </a:extLst>
+          </p:cNvPr>
+          <p:cNvSpPr>
+            <a:spLocks noGrp="1"/>
+          </p:cNvSpPr>
+          <p:nvPr>
+            <p:ph type="subTitle" idx="1"/>
+          </p:nvPr>
+        </p:nvSpPr>
+        <p:spPr/>
+        <p:txBody>
+          <a:bodyPr/>
+          <a:lstStyle/>
+          <a:p>
+            <a:endParaRPr lang="en-GB"/>
+          </a:p>
+        </p:txBody>
+      </p:sp>
+      <p:sp>
+        <p:nvSpPr>
+          <p:cNvPr id="4" name="Foliennummernplatzhalter 3">
+            <a:extLst>
+              <a:ext uri="{FF2B5EF4-FFF2-40B4-BE49-F238E27FC236}">
+                <a16:creationId xmlns:a16="http://schemas.microsoft.com/office/drawing/2014/main" id="{37597C88-18CA-5B79-868B-08DFAE751897}"/>
               </a:ext>
             </a:extLst>
           </p:cNvPr>
@@ -7350,7 +7665,7 @@
     </p:spTree>
     <p:extLst>
       <p:ext uri="{BB962C8B-B14F-4D97-AF65-F5344CB8AC3E}">
-        <p14:creationId xmlns:p14="http://schemas.microsoft.com/office/powerpoint/2010/main" val="1453362064"/>
+        <p14:creationId xmlns:p14="http://schemas.microsoft.com/office/powerpoint/2010/main" val="2401123035"/>
       </p:ext>
     </p:extLst>
   </p:cSld>
@@ -7377,12 +7692,99 @@
           <a:chExt cx="0" cy="0"/>
         </a:xfrm>
       </p:grpSpPr>
+      <p:sp>
+        <p:nvSpPr>
+          <p:cNvPr id="10" name="Textfeld 9">
+            <a:extLst>
+              <a:ext uri="{FF2B5EF4-FFF2-40B4-BE49-F238E27FC236}">
+                <a16:creationId xmlns:a16="http://schemas.microsoft.com/office/drawing/2014/main" id="{6F921143-7608-8F9B-1D3D-73943D3D01D8}"/>
+              </a:ext>
+            </a:extLst>
+          </p:cNvPr>
+          <p:cNvSpPr txBox="1"/>
+          <p:nvPr/>
+        </p:nvSpPr>
+        <p:spPr>
+          <a:xfrm>
+            <a:off x="737358" y="644561"/>
+            <a:ext cx="3107646" cy="646331"/>
+          </a:xfrm>
+          <a:prstGeom prst="rect">
+            <a:avLst/>
+          </a:prstGeom>
+          <a:noFill/>
+        </p:spPr>
+        <p:txBody>
+          <a:bodyPr wrap="none" rtlCol="0">
+            <a:spAutoFit/>
+          </a:bodyPr>
+          <a:lstStyle/>
+          <a:p>
+            <a:pPr marL="285750" indent="-285750">
+              <a:buFont typeface="Arial" panose="020B0604020202020204" pitchFamily="34" charset="0"/>
+              <a:buChar char="•"/>
+            </a:pPr>
+            <a:r>
+              <a:rPr lang="de-DE" dirty="0"/>
+              <a:t>Total </a:t>
+            </a:r>
+            <a:r>
+              <a:rPr lang="de-DE" dirty="0" err="1"/>
+              <a:t>number</a:t>
+            </a:r>
+            <a:r>
+              <a:rPr lang="de-DE" dirty="0"/>
+              <a:t> </a:t>
+            </a:r>
+            <a:r>
+              <a:rPr lang="de-DE" dirty="0" err="1"/>
+              <a:t>of</a:t>
+            </a:r>
+            <a:r>
+              <a:rPr lang="de-DE" dirty="0"/>
+              <a:t> </a:t>
+            </a:r>
+            <a:r>
+              <a:rPr lang="de-DE" dirty="0" err="1"/>
+              <a:t>transcripts</a:t>
+            </a:r>
+            <a:endParaRPr lang="de-DE" dirty="0"/>
+          </a:p>
+          <a:p>
+            <a:pPr marL="285750" indent="-285750">
+              <a:buFont typeface="Arial" panose="020B0604020202020204" pitchFamily="34" charset="0"/>
+              <a:buChar char="•"/>
+            </a:pPr>
+            <a:r>
+              <a:rPr lang="de-DE" dirty="0" err="1"/>
+              <a:t>Without</a:t>
+            </a:r>
+            <a:r>
+              <a:rPr lang="de-DE" dirty="0"/>
+              <a:t> </a:t>
+            </a:r>
+            <a:r>
+              <a:rPr lang="de-DE" dirty="0" err="1"/>
+              <a:t>sparsity</a:t>
+            </a:r>
+            <a:r>
+              <a:rPr lang="de-DE" dirty="0"/>
+              <a:t> </a:t>
+            </a:r>
+            <a:r>
+              <a:rPr lang="de-DE" dirty="0" err="1"/>
+              <a:t>constraints</a:t>
+            </a:r>
+            <a:endParaRPr lang="de-DE" dirty="0"/>
+          </a:p>
+        </p:txBody>
+      </p:sp>
       <p:pic>
         <p:nvPicPr>
-          <p:cNvPr id="4" name="Grafik 3">
-            <a:extLst>
-              <a:ext uri="{FF2B5EF4-FFF2-40B4-BE49-F238E27FC236}">
-                <a16:creationId xmlns:a16="http://schemas.microsoft.com/office/drawing/2014/main" id="{747FD049-0B16-27A7-0F77-20162591C7EE}"/>
+          <p:cNvPr id="5" name="Grafik 4">
+            <a:extLst>
+              <a:ext uri="{FF2B5EF4-FFF2-40B4-BE49-F238E27FC236}">
+                <a16:creationId xmlns:a16="http://schemas.microsoft.com/office/drawing/2014/main" id="{A87297A1-AC6C-8C14-5DE7-3D12971D277D}"/>
               </a:ext>
             </a:extLst>
           </p:cNvPr>
@@ -7399,8 +7801,8 @@
         </p:blipFill>
         <p:spPr>
           <a:xfrm>
-            <a:off x="257175" y="1704975"/>
-            <a:ext cx="11731056" cy="4517879"/>
+            <a:off x="223871" y="1721185"/>
+            <a:ext cx="11844304" cy="4492254"/>
           </a:xfrm>
           <a:prstGeom prst="rect">
             <a:avLst/>
@@ -7409,101 +7811,10 @@
       </p:pic>
       <p:sp>
         <p:nvSpPr>
-          <p:cNvPr id="5" name="Textfeld 4">
-            <a:extLst>
-              <a:ext uri="{FF2B5EF4-FFF2-40B4-BE49-F238E27FC236}">
-                <a16:creationId xmlns:a16="http://schemas.microsoft.com/office/drawing/2014/main" id="{0FFE3731-293E-487B-33E2-03A50276A1D6}"/>
-              </a:ext>
-            </a:extLst>
-          </p:cNvPr>
-          <p:cNvSpPr txBox="1"/>
-          <p:nvPr/>
-        </p:nvSpPr>
-        <p:spPr>
-          <a:xfrm>
-            <a:off x="756408" y="613532"/>
-            <a:ext cx="3419847" cy="646331"/>
-          </a:xfrm>
-          <a:prstGeom prst="rect">
-            <a:avLst/>
-          </a:prstGeom>
-          <a:noFill/>
-        </p:spPr>
-        <p:txBody>
-          <a:bodyPr wrap="none" rtlCol="0">
-            <a:spAutoFit/>
-          </a:bodyPr>
-          <a:lstStyle/>
-          <a:p>
-            <a:pPr marL="285750" indent="-285750">
-              <a:buFont typeface="Arial" panose="020B0604020202020204" pitchFamily="34" charset="0"/>
-              <a:buChar char="•"/>
-            </a:pPr>
-            <a:r>
-              <a:rPr lang="de-DE" dirty="0" err="1"/>
-              <a:t>Number</a:t>
-            </a:r>
-            <a:r>
-              <a:rPr lang="de-DE" dirty="0"/>
-              <a:t> </a:t>
-            </a:r>
-            <a:r>
-              <a:rPr lang="de-DE" dirty="0" err="1"/>
-              <a:t>of</a:t>
-            </a:r>
-            <a:r>
-              <a:rPr lang="de-DE" dirty="0"/>
-              <a:t> </a:t>
-            </a:r>
-            <a:r>
-              <a:rPr lang="de-DE" dirty="0" err="1"/>
-              <a:t>transcripts</a:t>
-            </a:r>
-            <a:r>
-              <a:rPr lang="de-DE" dirty="0"/>
-              <a:t> per </a:t>
-            </a:r>
-            <a:r>
-              <a:rPr lang="de-DE" dirty="0" err="1"/>
-              <a:t>gene</a:t>
-            </a:r>
-            <a:endParaRPr lang="de-DE" dirty="0"/>
-          </a:p>
-          <a:p>
-            <a:pPr marL="285750" indent="-285750">
-              <a:buFont typeface="Arial" panose="020B0604020202020204" pitchFamily="34" charset="0"/>
-              <a:buChar char="•"/>
-            </a:pPr>
-            <a:r>
-              <a:rPr lang="de-DE" dirty="0" err="1"/>
-              <a:t>Without</a:t>
-            </a:r>
-            <a:r>
-              <a:rPr lang="de-DE" dirty="0"/>
-              <a:t> </a:t>
-            </a:r>
-            <a:r>
-              <a:rPr lang="de-DE" dirty="0" err="1"/>
-              <a:t>sparsity</a:t>
-            </a:r>
-            <a:r>
-              <a:rPr lang="de-DE" dirty="0"/>
-              <a:t> </a:t>
-            </a:r>
-            <a:r>
-              <a:rPr lang="de-DE" dirty="0" err="1"/>
-              <a:t>constraints</a:t>
-            </a:r>
-            <a:endParaRPr lang="de-DE" dirty="0"/>
-          </a:p>
-        </p:txBody>
-      </p:sp>
-      <p:sp>
-        <p:nvSpPr>
           <p:cNvPr id="6" name="Foliennummernplatzhalter 5">
             <a:extLst>
               <a:ext uri="{FF2B5EF4-FFF2-40B4-BE49-F238E27FC236}">
-                <a16:creationId xmlns:a16="http://schemas.microsoft.com/office/drawing/2014/main" id="{29CCB25A-D50E-9DFF-CF0B-8E5DBD42863E}"/>
+                <a16:creationId xmlns:a16="http://schemas.microsoft.com/office/drawing/2014/main" id="{E561B7CE-2EC2-A760-F3FD-E52E269EF881}"/>
               </a:ext>
             </a:extLst>
           </p:cNvPr>
@@ -7530,7 +7841,7 @@
     </p:spTree>
     <p:extLst>
       <p:ext uri="{BB962C8B-B14F-4D97-AF65-F5344CB8AC3E}">
-        <p14:creationId xmlns:p14="http://schemas.microsoft.com/office/powerpoint/2010/main" val="666133355"/>
+        <p14:creationId xmlns:p14="http://schemas.microsoft.com/office/powerpoint/2010/main" val="2797480772"/>
       </p:ext>
     </p:extLst>
   </p:cSld>
